--- a/ppt/004 - Call Apply Bind.pptx
+++ b/ppt/004 - Call Apply Bind.pptx
@@ -97,7 +97,7 @@
         <a:sym typeface="Calibri"/>
       </a:defRPr>
     </a:lvl1pPr>
-    <a:lvl2pPr marL="0" marR="0" indent="457200" algn="l" defTabSz="914400" rtl="0" fontAlgn="auto" latinLnBrk="0" hangingPunct="0">
+    <a:lvl2pPr marL="0" marR="0" indent="0" algn="l" defTabSz="914400" rtl="0" fontAlgn="auto" latinLnBrk="0" hangingPunct="0">
       <a:lnSpc>
         <a:spcPct val="100000"/>
       </a:lnSpc>
@@ -127,7 +127,7 @@
         <a:sym typeface="Calibri"/>
       </a:defRPr>
     </a:lvl2pPr>
-    <a:lvl3pPr marL="0" marR="0" indent="914400" algn="l" defTabSz="914400" rtl="0" fontAlgn="auto" latinLnBrk="0" hangingPunct="0">
+    <a:lvl3pPr marL="0" marR="0" indent="0" algn="l" defTabSz="914400" rtl="0" fontAlgn="auto" latinLnBrk="0" hangingPunct="0">
       <a:lnSpc>
         <a:spcPct val="100000"/>
       </a:lnSpc>
@@ -157,7 +157,7 @@
         <a:sym typeface="Calibri"/>
       </a:defRPr>
     </a:lvl3pPr>
-    <a:lvl4pPr marL="0" marR="0" indent="1371600" algn="l" defTabSz="914400" rtl="0" fontAlgn="auto" latinLnBrk="0" hangingPunct="0">
+    <a:lvl4pPr marL="0" marR="0" indent="0" algn="l" defTabSz="914400" rtl="0" fontAlgn="auto" latinLnBrk="0" hangingPunct="0">
       <a:lnSpc>
         <a:spcPct val="100000"/>
       </a:lnSpc>
@@ -187,7 +187,7 @@
         <a:sym typeface="Calibri"/>
       </a:defRPr>
     </a:lvl4pPr>
-    <a:lvl5pPr marL="0" marR="0" indent="1828800" algn="l" defTabSz="914400" rtl="0" fontAlgn="auto" latinLnBrk="0" hangingPunct="0">
+    <a:lvl5pPr marL="0" marR="0" indent="0" algn="l" defTabSz="914400" rtl="0" fontAlgn="auto" latinLnBrk="0" hangingPunct="0">
       <a:lnSpc>
         <a:spcPct val="100000"/>
       </a:lnSpc>
@@ -217,7 +217,7 @@
         <a:sym typeface="Calibri"/>
       </a:defRPr>
     </a:lvl5pPr>
-    <a:lvl6pPr marL="0" marR="0" indent="2286000" algn="l" defTabSz="914400" rtl="0" fontAlgn="auto" latinLnBrk="0" hangingPunct="0">
+    <a:lvl6pPr marL="0" marR="0" indent="0" algn="l" defTabSz="914400" rtl="0" fontAlgn="auto" latinLnBrk="0" hangingPunct="0">
       <a:lnSpc>
         <a:spcPct val="100000"/>
       </a:lnSpc>
@@ -247,7 +247,7 @@
         <a:sym typeface="Calibri"/>
       </a:defRPr>
     </a:lvl6pPr>
-    <a:lvl7pPr marL="0" marR="0" indent="2743200" algn="l" defTabSz="914400" rtl="0" fontAlgn="auto" latinLnBrk="0" hangingPunct="0">
+    <a:lvl7pPr marL="0" marR="0" indent="0" algn="l" defTabSz="914400" rtl="0" fontAlgn="auto" latinLnBrk="0" hangingPunct="0">
       <a:lnSpc>
         <a:spcPct val="100000"/>
       </a:lnSpc>
@@ -277,7 +277,7 @@
         <a:sym typeface="Calibri"/>
       </a:defRPr>
     </a:lvl7pPr>
-    <a:lvl8pPr marL="0" marR="0" indent="3200400" algn="l" defTabSz="914400" rtl="0" fontAlgn="auto" latinLnBrk="0" hangingPunct="0">
+    <a:lvl8pPr marL="0" marR="0" indent="0" algn="l" defTabSz="914400" rtl="0" fontAlgn="auto" latinLnBrk="0" hangingPunct="0">
       <a:lnSpc>
         <a:spcPct val="100000"/>
       </a:lnSpc>
@@ -307,7 +307,7 @@
         <a:sym typeface="Calibri"/>
       </a:defRPr>
     </a:lvl8pPr>
-    <a:lvl9pPr marL="0" marR="0" indent="3657600" algn="l" defTabSz="914400" rtl="0" fontAlgn="auto" latinLnBrk="0" hangingPunct="0">
+    <a:lvl9pPr marL="0" marR="0" indent="0" algn="l" defTabSz="914400" rtl="0" fontAlgn="auto" latinLnBrk="0" hangingPunct="0">
       <a:lnSpc>
         <a:spcPct val="100000"/>
       </a:lnSpc>
@@ -552,7 +552,7 @@
         <p:spPr>
           <a:xfrm>
             <a:off x="1524000" y="3602037"/>
-            <a:ext cx="9144000" cy="1655763"/>
+            <a:ext cx="9144000" cy="1655764"/>
           </a:xfrm>
           <a:prstGeom prst="rect">
             <a:avLst/>
@@ -567,25 +567,25 @@
               <a:buNone/>
               <a:defRPr sz="2400"/>
             </a:lvl1pPr>
-            <a:lvl2pPr marL="0" indent="457200" algn="ctr">
+            <a:lvl2pPr marL="0" indent="0" algn="ctr">
               <a:buSzTx/>
               <a:buFontTx/>
               <a:buNone/>
               <a:defRPr sz="2400"/>
             </a:lvl2pPr>
-            <a:lvl3pPr marL="0" indent="914400" algn="ctr">
+            <a:lvl3pPr marL="0" indent="0" algn="ctr">
               <a:buSzTx/>
               <a:buFontTx/>
               <a:buNone/>
               <a:defRPr sz="2400"/>
             </a:lvl3pPr>
-            <a:lvl4pPr marL="0" indent="1371600" algn="ctr">
+            <a:lvl4pPr marL="0" indent="0" algn="ctr">
               <a:buSzTx/>
               <a:buFontTx/>
               <a:buNone/>
               <a:defRPr sz="2400"/>
             </a:lvl4pPr>
-            <a:lvl5pPr marL="0" indent="1828800" algn="ctr">
+            <a:lvl5pPr marL="0" indent="0" algn="ctr">
               <a:buSzTx/>
               <a:buFontTx/>
               <a:buNone/>
@@ -835,7 +835,7 @@
         <p:spPr>
           <a:xfrm>
             <a:off x="831850" y="4589462"/>
-            <a:ext cx="10515600" cy="1500188"/>
+            <a:ext cx="10515600" cy="1500189"/>
           </a:xfrm>
           <a:prstGeom prst="rect">
             <a:avLst/>
@@ -854,7 +854,7 @@
                 </a:solidFill>
               </a:defRPr>
             </a:lvl1pPr>
-            <a:lvl2pPr marL="0" indent="457200">
+            <a:lvl2pPr marL="0" indent="0">
               <a:buSzTx/>
               <a:buFontTx/>
               <a:buNone/>
@@ -864,7 +864,7 @@
                 </a:solidFill>
               </a:defRPr>
             </a:lvl2pPr>
-            <a:lvl3pPr marL="0" indent="914400">
+            <a:lvl3pPr marL="0" indent="0">
               <a:buSzTx/>
               <a:buFontTx/>
               <a:buNone/>
@@ -874,7 +874,7 @@
                 </a:solidFill>
               </a:defRPr>
             </a:lvl3pPr>
-            <a:lvl4pPr marL="0" indent="1371600">
+            <a:lvl4pPr marL="0" indent="0">
               <a:buSzTx/>
               <a:buFontTx/>
               <a:buNone/>
@@ -884,7 +884,7 @@
                 </a:solidFill>
               </a:defRPr>
             </a:lvl4pPr>
-            <a:lvl5pPr marL="0" indent="1828800">
+            <a:lvl5pPr marL="0" indent="0">
               <a:buSzTx/>
               <a:buFontTx/>
               <a:buNone/>
@@ -1138,7 +1138,7 @@
         <p:spPr>
           <a:xfrm>
             <a:off x="839787" y="1681163"/>
-            <a:ext cx="5157789" cy="823913"/>
+            <a:ext cx="5157790" cy="823914"/>
           </a:xfrm>
           <a:prstGeom prst="rect">
             <a:avLst/>
@@ -1158,7 +1158,7 @@
                 <a:sym typeface="Helvetica"/>
               </a:defRPr>
             </a:lvl1pPr>
-            <a:lvl2pPr marL="0" indent="457200">
+            <a:lvl2pPr marL="0" indent="0">
               <a:buSzTx/>
               <a:buFontTx/>
               <a:buNone/>
@@ -1169,7 +1169,7 @@
                 <a:sym typeface="Helvetica"/>
               </a:defRPr>
             </a:lvl2pPr>
-            <a:lvl3pPr marL="0" indent="914400">
+            <a:lvl3pPr marL="0" indent="0">
               <a:buSzTx/>
               <a:buFontTx/>
               <a:buNone/>
@@ -1180,7 +1180,7 @@
                 <a:sym typeface="Helvetica"/>
               </a:defRPr>
             </a:lvl3pPr>
-            <a:lvl4pPr marL="0" indent="1371600">
+            <a:lvl4pPr marL="0" indent="0">
               <a:buSzTx/>
               <a:buFontTx/>
               <a:buNone/>
@@ -1191,7 +1191,7 @@
                 <a:sym typeface="Helvetica"/>
               </a:defRPr>
             </a:lvl4pPr>
-            <a:lvl5pPr marL="0" indent="1828800">
+            <a:lvl5pPr marL="0" indent="0">
               <a:buSzTx/>
               <a:buFontTx/>
               <a:buNone/>
@@ -1246,7 +1246,7 @@
         <p:spPr>
           <a:xfrm>
             <a:off x="6172200" y="1681163"/>
-            <a:ext cx="5183188" cy="823913"/>
+            <a:ext cx="5183188" cy="823914"/>
           </a:xfrm>
           <a:prstGeom prst="rect">
             <a:avLst/>
@@ -1256,17 +1256,7 @@
           <a:bodyPr anchor="b"/>
           <a:lstStyle/>
           <a:p>
-            <a:pPr marL="0" indent="0">
-              <a:buSzTx/>
-              <a:buFontTx/>
-              <a:buNone/>
-              <a:defRPr b="1" sz="2400">
-                <a:latin typeface="+mj-lt"/>
-                <a:ea typeface="+mj-ea"/>
-                <a:cs typeface="+mj-cs"/>
-                <a:sym typeface="Helvetica"/>
-              </a:defRPr>
-            </a:pPr>
+            <a:pPr/>
           </a:p>
         </p:txBody>
       </p:sp>
@@ -1449,7 +1439,7 @@
         <p:spPr>
           <a:xfrm>
             <a:off x="839787" y="457200"/>
-            <a:ext cx="3932239" cy="1600200"/>
+            <a:ext cx="3932240" cy="1600200"/>
           </a:xfrm>
           <a:prstGeom prst="rect">
             <a:avLst/>
@@ -1481,7 +1471,7 @@
         <p:spPr>
           <a:xfrm>
             <a:off x="5183187" y="987425"/>
-            <a:ext cx="6172201" cy="4873625"/>
+            <a:ext cx="6172202" cy="4873625"/>
           </a:xfrm>
           <a:prstGeom prst="rect">
             <a:avLst/>
@@ -1548,8 +1538,8 @@
         </p:nvSpPr>
         <p:spPr>
           <a:xfrm>
-            <a:off x="839787" y="2057400"/>
-            <a:ext cx="3932239" cy="3811588"/>
+            <a:off x="839786" y="2057400"/>
+            <a:ext cx="3932241" cy="3811588"/>
           </a:xfrm>
           <a:prstGeom prst="rect">
             <a:avLst/>
@@ -1559,12 +1549,7 @@
           <a:bodyPr/>
           <a:lstStyle/>
           <a:p>
-            <a:pPr marL="0" indent="0">
-              <a:buSzTx/>
-              <a:buFontTx/>
-              <a:buNone/>
-              <a:defRPr sz="1600"/>
-            </a:pPr>
+            <a:pPr/>
           </a:p>
         </p:txBody>
       </p:sp>
@@ -1627,7 +1612,7 @@
         <p:spPr>
           <a:xfrm>
             <a:off x="839787" y="457200"/>
-            <a:ext cx="3932239" cy="1600200"/>
+            <a:ext cx="3932240" cy="1600200"/>
           </a:xfrm>
           <a:prstGeom prst="rect">
             <a:avLst/>
@@ -1659,14 +1644,14 @@
         <p:spPr>
           <a:xfrm>
             <a:off x="5183187" y="987425"/>
-            <a:ext cx="6172201" cy="4873625"/>
+            <a:ext cx="6172202" cy="4873625"/>
           </a:xfrm>
           <a:prstGeom prst="rect">
             <a:avLst/>
           </a:prstGeom>
         </p:spPr>
         <p:txBody>
-          <a:bodyPr lIns="91439" rIns="91439">
+          <a:bodyPr lIns="91439" tIns="45719" rIns="91439" bIns="45719">
             <a:noAutofit/>
           </a:bodyPr>
           <a:lstStyle/>
@@ -1686,7 +1671,7 @@
         <p:spPr>
           <a:xfrm>
             <a:off x="839787" y="2057400"/>
-            <a:ext cx="3932239" cy="3811588"/>
+            <a:ext cx="3932240" cy="3811588"/>
           </a:xfrm>
           <a:prstGeom prst="rect">
             <a:avLst/>
@@ -1701,25 +1686,25 @@
               <a:buNone/>
               <a:defRPr sz="1600"/>
             </a:lvl1pPr>
-            <a:lvl2pPr marL="0" indent="457200">
+            <a:lvl2pPr marL="0" indent="0">
               <a:buSzTx/>
               <a:buFontTx/>
               <a:buNone/>
               <a:defRPr sz="1600"/>
             </a:lvl2pPr>
-            <a:lvl3pPr marL="0" indent="914400">
+            <a:lvl3pPr marL="0" indent="0">
               <a:buSzTx/>
               <a:buFontTx/>
               <a:buNone/>
               <a:defRPr sz="1600"/>
             </a:lvl3pPr>
-            <a:lvl4pPr marL="0" indent="1371600">
+            <a:lvl4pPr marL="0" indent="0">
               <a:buSzTx/>
               <a:buFontTx/>
               <a:buNone/>
               <a:defRPr sz="1600"/>
             </a:lvl4pPr>
-            <a:lvl5pPr marL="0" indent="1828800">
+            <a:lvl5pPr marL="0" indent="0">
               <a:buSzTx/>
               <a:buFontTx/>
               <a:buNone/>
@@ -1839,7 +1824,7 @@
           </a:extLst>
         </p:spPr>
         <p:txBody>
-          <a:bodyPr lIns="45719" rIns="45719" anchor="ctr">
+          <a:bodyPr lIns="45718" tIns="45718" rIns="45718" bIns="45718" anchor="ctr">
             <a:normAutofit fontScale="100000" lnSpcReduction="0"/>
           </a:bodyPr>
           <a:lstStyle/>
@@ -1877,7 +1862,7 @@
           </a:extLst>
         </p:spPr>
         <p:txBody>
-          <a:bodyPr lIns="45719" rIns="45719">
+          <a:bodyPr lIns="45718" tIns="45718" rIns="45718" bIns="45718">
             <a:normAutofit fontScale="100000" lnSpcReduction="0"/>
           </a:bodyPr>
           <a:lstStyle/>
@@ -1923,8 +1908,8 @@
         </p:nvSpPr>
         <p:spPr>
           <a:xfrm>
-            <a:off x="11095176" y="6414760"/>
-            <a:ext cx="258624" cy="248305"/>
+            <a:off x="11095178" y="6414761"/>
+            <a:ext cx="258623" cy="248303"/>
           </a:xfrm>
           <a:prstGeom prst="rect">
             <a:avLst/>
@@ -1934,7 +1919,7 @@
           </a:ln>
         </p:spPr>
         <p:txBody>
-          <a:bodyPr wrap="none" lIns="45719" rIns="45719" anchor="ctr">
+          <a:bodyPr wrap="none" lIns="45718" tIns="45718" rIns="45718" bIns="45718" anchor="ctr">
             <a:spAutoFit/>
           </a:bodyPr>
           <a:lstStyle>
@@ -2257,7 +2242,7 @@
           <a:sym typeface="Calibri"/>
         </a:defRPr>
       </a:lvl2pPr>
-      <a:lvl3pPr marL="1234439" marR="0" indent="-320039" algn="l" defTabSz="914400" rtl="0" latinLnBrk="0">
+      <a:lvl3pPr marL="1234438" marR="0" indent="-320038" algn="l" defTabSz="914400" rtl="0" latinLnBrk="0">
         <a:lnSpc>
           <a:spcPct val="90000"/>
         </a:lnSpc>
@@ -2467,7 +2452,7 @@
           <a:sym typeface="Calibri"/>
         </a:defRPr>
       </a:lvl1pPr>
-      <a:lvl2pPr marL="0" marR="0" indent="457200" algn="r" defTabSz="914400" rtl="0" latinLnBrk="0">
+      <a:lvl2pPr marL="0" marR="0" indent="0" algn="r" defTabSz="914400" rtl="0" latinLnBrk="0">
         <a:lnSpc>
           <a:spcPct val="100000"/>
         </a:lnSpc>
@@ -2493,7 +2478,7 @@
           <a:sym typeface="Calibri"/>
         </a:defRPr>
       </a:lvl2pPr>
-      <a:lvl3pPr marL="0" marR="0" indent="914400" algn="r" defTabSz="914400" rtl="0" latinLnBrk="0">
+      <a:lvl3pPr marL="0" marR="0" indent="0" algn="r" defTabSz="914400" rtl="0" latinLnBrk="0">
         <a:lnSpc>
           <a:spcPct val="100000"/>
         </a:lnSpc>
@@ -2519,7 +2504,7 @@
           <a:sym typeface="Calibri"/>
         </a:defRPr>
       </a:lvl3pPr>
-      <a:lvl4pPr marL="0" marR="0" indent="1371600" algn="r" defTabSz="914400" rtl="0" latinLnBrk="0">
+      <a:lvl4pPr marL="0" marR="0" indent="0" algn="r" defTabSz="914400" rtl="0" latinLnBrk="0">
         <a:lnSpc>
           <a:spcPct val="100000"/>
         </a:lnSpc>
@@ -2545,7 +2530,7 @@
           <a:sym typeface="Calibri"/>
         </a:defRPr>
       </a:lvl4pPr>
-      <a:lvl5pPr marL="0" marR="0" indent="1828800" algn="r" defTabSz="914400" rtl="0" latinLnBrk="0">
+      <a:lvl5pPr marL="0" marR="0" indent="0" algn="r" defTabSz="914400" rtl="0" latinLnBrk="0">
         <a:lnSpc>
           <a:spcPct val="100000"/>
         </a:lnSpc>
@@ -2571,7 +2556,7 @@
           <a:sym typeface="Calibri"/>
         </a:defRPr>
       </a:lvl5pPr>
-      <a:lvl6pPr marL="0" marR="0" indent="2286000" algn="r" defTabSz="914400" rtl="0" latinLnBrk="0">
+      <a:lvl6pPr marL="0" marR="0" indent="0" algn="r" defTabSz="914400" rtl="0" latinLnBrk="0">
         <a:lnSpc>
           <a:spcPct val="100000"/>
         </a:lnSpc>
@@ -2597,7 +2582,7 @@
           <a:sym typeface="Calibri"/>
         </a:defRPr>
       </a:lvl6pPr>
-      <a:lvl7pPr marL="0" marR="0" indent="2743200" algn="r" defTabSz="914400" rtl="0" latinLnBrk="0">
+      <a:lvl7pPr marL="0" marR="0" indent="0" algn="r" defTabSz="914400" rtl="0" latinLnBrk="0">
         <a:lnSpc>
           <a:spcPct val="100000"/>
         </a:lnSpc>
@@ -2623,7 +2608,7 @@
           <a:sym typeface="Calibri"/>
         </a:defRPr>
       </a:lvl7pPr>
-      <a:lvl8pPr marL="0" marR="0" indent="3200400" algn="r" defTabSz="914400" rtl="0" latinLnBrk="0">
+      <a:lvl8pPr marL="0" marR="0" indent="0" algn="r" defTabSz="914400" rtl="0" latinLnBrk="0">
         <a:lnSpc>
           <a:spcPct val="100000"/>
         </a:lnSpc>
@@ -2649,7 +2634,7 @@
           <a:sym typeface="Calibri"/>
         </a:defRPr>
       </a:lvl8pPr>
-      <a:lvl9pPr marL="0" marR="0" indent="3657600" algn="r" defTabSz="914400" rtl="0" latinLnBrk="0">
+      <a:lvl9pPr marL="0" marR="0" indent="0" algn="r" defTabSz="914400" rtl="0" latinLnBrk="0">
         <a:lnSpc>
           <a:spcPct val="100000"/>
         </a:lnSpc>
@@ -2697,9 +2682,38 @@
           <a:chExt cx="0" cy="0"/>
         </a:xfrm>
       </p:grpSpPr>
+      <p:pic>
+        <p:nvPicPr>
+          <p:cNvPr id="94" name="Google Shape;54;p13" descr="Google Shape;54;p13"/>
+          <p:cNvPicPr>
+            <a:picLocks noChangeAspect="1"/>
+          </p:cNvPicPr>
+          <p:nvPr/>
+        </p:nvPicPr>
+        <p:blipFill>
+          <a:blip r:embed="rId2">
+            <a:extLst/>
+          </a:blip>
+          <a:stretch>
+            <a:fillRect/>
+          </a:stretch>
+        </p:blipFill>
+        <p:spPr>
+          <a:xfrm>
+            <a:off x="0" y="0"/>
+            <a:ext cx="12191997" cy="6858000"/>
+          </a:xfrm>
+          <a:prstGeom prst="rect">
+            <a:avLst/>
+          </a:prstGeom>
+          <a:ln w="12700">
+            <a:miter lim="400000"/>
+          </a:ln>
+        </p:spPr>
+      </p:pic>
       <p:sp>
         <p:nvSpPr>
-          <p:cNvPr id="94" name="Subtitle 2"/>
+          <p:cNvPr id="95" name="Subtitle 2"/>
           <p:cNvSpPr txBox="1"/>
           <p:nvPr>
             <p:ph type="subTitle" sz="quarter" idx="1"/>
@@ -2724,34 +2738,34 @@
       </p:sp>
       <p:grpSp>
         <p:nvGrpSpPr>
-          <p:cNvPr id="97" name="Rectangle 7"/>
+          <p:cNvPr id="98" name="Rectangle 7"/>
           <p:cNvGrpSpPr/>
           <p:nvPr/>
         </p:nvGrpSpPr>
         <p:grpSpPr>
           <a:xfrm>
-            <a:off x="1524000" y="3207225"/>
-            <a:ext cx="9144000" cy="2994661"/>
-            <a:chOff x="0" y="0"/>
-            <a:chExt cx="9144000" cy="2994660"/>
+            <a:off x="1524000" y="3207223"/>
+            <a:ext cx="9144000" cy="2994665"/>
+            <a:chOff x="0" y="-1"/>
+            <a:chExt cx="9144000" cy="2994663"/>
           </a:xfrm>
         </p:grpSpPr>
         <p:sp>
           <p:nvSpPr>
-            <p:cNvPr id="95" name="Rectangle"/>
+            <p:cNvPr id="96" name="Rectangle"/>
             <p:cNvSpPr/>
             <p:nvPr/>
           </p:nvSpPr>
           <p:spPr>
             <a:xfrm>
-              <a:off x="0" y="-1"/>
-              <a:ext cx="9144000" cy="2994662"/>
+              <a:off x="0" y="-2"/>
+              <a:ext cx="9144000" cy="2994665"/>
             </a:xfrm>
             <a:prstGeom prst="rect">
               <a:avLst/>
             </a:prstGeom>
             <a:solidFill>
-              <a:srgbClr val="F3D94E"/>
+              <a:srgbClr val="FFFFFF"/>
             </a:solidFill>
             <a:ln w="12700" cap="flat">
               <a:solidFill>
@@ -2763,7 +2777,7 @@
             <a:effectLst/>
           </p:spPr>
           <p:txBody>
-            <a:bodyPr wrap="square" lIns="45719" tIns="45719" rIns="45719" bIns="45719" numCol="1" anchor="ctr">
+            <a:bodyPr wrap="square" lIns="45718" tIns="45718" rIns="45718" bIns="45718" numCol="1" anchor="ctr">
               <a:noAutofit/>
             </a:bodyPr>
             <a:lstStyle/>
@@ -2780,19 +2794,21 @@
         </p:sp>
         <p:sp>
           <p:nvSpPr>
-            <p:cNvPr id="96" name="Call , bind &amp; Apply in JavaScript"/>
+            <p:cNvPr id="97" name="Call , bind &amp; Apply in JavaScript"/>
             <p:cNvSpPr txBox="1"/>
             <p:nvPr/>
           </p:nvSpPr>
           <p:spPr>
             <a:xfrm>
-              <a:off x="45719" y="502706"/>
-              <a:ext cx="9052562" cy="1989248"/>
+              <a:off x="45718" y="502706"/>
+              <a:ext cx="9052563" cy="1989245"/>
             </a:xfrm>
             <a:prstGeom prst="rect">
               <a:avLst/>
             </a:prstGeom>
-            <a:noFill/>
+            <a:solidFill>
+              <a:srgbClr val="FFFFFF"/>
+            </a:solidFill>
             <a:ln w="12700" cap="flat">
               <a:noFill/>
               <a:miter lim="400000"/>
@@ -2805,7 +2821,7 @@
             </a:extLst>
           </p:spPr>
           <p:txBody>
-            <a:bodyPr wrap="square" lIns="45719" tIns="45719" rIns="45719" bIns="45719" numCol="1" anchor="ctr">
+            <a:bodyPr wrap="square" lIns="45718" tIns="45718" rIns="45718" bIns="45718" numCol="1" anchor="ctr">
               <a:spAutoFit/>
             </a:bodyPr>
             <a:lstStyle>
@@ -2824,28 +2840,28 @@
       </p:grpSp>
       <p:grpSp>
         <p:nvGrpSpPr>
-          <p:cNvPr id="100" name="Rectangle 4"/>
+          <p:cNvPr id="101" name="Rectangle 4"/>
           <p:cNvGrpSpPr/>
           <p:nvPr/>
         </p:nvGrpSpPr>
         <p:grpSpPr>
           <a:xfrm>
             <a:off x="4133850" y="2740922"/>
-            <a:ext cx="3924300" cy="947848"/>
+            <a:ext cx="3924300" cy="947845"/>
             <a:chOff x="0" y="0"/>
-            <a:chExt cx="3924300" cy="947846"/>
+            <a:chExt cx="3924300" cy="947844"/>
           </a:xfrm>
         </p:grpSpPr>
         <p:sp>
           <p:nvSpPr>
-            <p:cNvPr id="98" name="Rectangle"/>
+            <p:cNvPr id="99" name="Rectangle"/>
             <p:cNvSpPr/>
             <p:nvPr/>
           </p:nvSpPr>
           <p:spPr>
             <a:xfrm>
               <a:off x="0" y="108957"/>
-              <a:ext cx="3924300" cy="729933"/>
+              <a:ext cx="3924300" cy="729935"/>
             </a:xfrm>
             <a:prstGeom prst="rect">
               <a:avLst/>
@@ -2860,7 +2876,7 @@
             <a:effectLst/>
           </p:spPr>
           <p:txBody>
-            <a:bodyPr wrap="square" lIns="45719" tIns="45719" rIns="45719" bIns="45719" numCol="1" anchor="ctr">
+            <a:bodyPr wrap="square" lIns="45718" tIns="45718" rIns="45718" bIns="45718" numCol="1" anchor="ctr">
               <a:noAutofit/>
             </a:bodyPr>
             <a:lstStyle/>
@@ -2877,14 +2893,14 @@
         </p:sp>
         <p:sp>
           <p:nvSpPr>
-            <p:cNvPr id="99" name="FS dev 101"/>
+            <p:cNvPr id="100" name="FS dev 101"/>
             <p:cNvSpPr txBox="1"/>
             <p:nvPr/>
           </p:nvSpPr>
           <p:spPr>
             <a:xfrm>
-              <a:off x="45719" y="0"/>
-              <a:ext cx="3832862" cy="947847"/>
+              <a:off x="45718" y="-1"/>
+              <a:ext cx="3832863" cy="947846"/>
             </a:xfrm>
             <a:prstGeom prst="rect">
               <a:avLst/>
@@ -2902,7 +2918,7 @@
             </a:extLst>
           </p:spPr>
           <p:txBody>
-            <a:bodyPr wrap="square" lIns="45719" tIns="45719" rIns="45719" bIns="45719" numCol="1" anchor="ctr">
+            <a:bodyPr wrap="square" lIns="45718" tIns="45718" rIns="45718" bIns="45718" numCol="1" anchor="ctr">
               <a:spAutoFit/>
             </a:bodyPr>
             <a:lstStyle>
@@ -2919,108 +2935,49 @@
           </p:txBody>
         </p:sp>
       </p:grpSp>
-      <p:grpSp>
-        <p:nvGrpSpPr>
-          <p:cNvPr id="103" name="Rectangle 9"/>
-          <p:cNvGrpSpPr/>
+      <p:sp>
+        <p:nvSpPr>
+          <p:cNvPr id="102" name="Rectangle 9"/>
+          <p:cNvSpPr txBox="1"/>
           <p:nvPr/>
-        </p:nvGrpSpPr>
-        <p:grpSpPr>
-          <a:xfrm>
-            <a:off x="4469129" y="-24142"/>
-            <a:ext cx="2937511" cy="3129940"/>
-            <a:chOff x="0" y="0"/>
-            <a:chExt cx="2937510" cy="3129939"/>
-          </a:xfrm>
-        </p:grpSpPr>
-        <p:sp>
-          <p:nvSpPr>
-            <p:cNvPr id="101" name="Rectangle"/>
-            <p:cNvSpPr/>
-            <p:nvPr/>
-          </p:nvSpPr>
-          <p:spPr>
-            <a:xfrm>
-              <a:off x="0" y="1200003"/>
-              <a:ext cx="2937511" cy="729933"/>
-            </a:xfrm>
-            <a:prstGeom prst="rect">
-              <a:avLst/>
-            </a:prstGeom>
-            <a:solidFill>
-              <a:srgbClr val="F3D94E"/>
-            </a:solidFill>
-            <a:ln w="12700" cap="flat">
-              <a:noFill/>
-              <a:miter lim="400000"/>
-            </a:ln>
-            <a:effectLst/>
-          </p:spPr>
-          <p:txBody>
-            <a:bodyPr wrap="square" lIns="45719" tIns="45719" rIns="45719" bIns="45719" numCol="1" anchor="ctr">
-              <a:noAutofit/>
-            </a:bodyPr>
-            <a:lstStyle/>
-            <a:p>
-              <a:pPr algn="ctr">
-                <a:defRPr>
-                  <a:solidFill>
-                    <a:srgbClr val="FFFFFF"/>
-                  </a:solidFill>
-                </a:defRPr>
-              </a:pPr>
-            </a:p>
-          </p:txBody>
-        </p:sp>
-        <p:sp>
-          <p:nvSpPr>
-            <p:cNvPr id="102" name="JS"/>
-            <p:cNvSpPr txBox="1"/>
-            <p:nvPr/>
-          </p:nvSpPr>
-          <p:spPr>
-            <a:xfrm>
-              <a:off x="45719" y="0"/>
-              <a:ext cx="2846072" cy="3129940"/>
-            </a:xfrm>
-            <a:prstGeom prst="rect">
-              <a:avLst/>
-            </a:prstGeom>
-            <a:noFill/>
-            <a:ln w="12700" cap="flat">
-              <a:noFill/>
-              <a:miter lim="400000"/>
-            </a:ln>
-            <a:effectLst/>
-            <a:extLst>
-              <a:ext uri="{C572A759-6A51-4108-AA02-DFA0A04FC94B}">
-                <ma14:wrappingTextBoxFlag xmlns:ma14="http://schemas.microsoft.com/office/mac/drawingml/2011/main" val="1"/>
-              </a:ext>
-            </a:extLst>
-          </p:spPr>
-          <p:txBody>
-            <a:bodyPr wrap="square" lIns="45719" tIns="45719" rIns="45719" bIns="45719" numCol="1" anchor="ctr">
-              <a:spAutoFit/>
-            </a:bodyPr>
-            <a:lstStyle>
-              <a:lvl1pPr algn="ctr">
-                <a:defRPr b="1" sz="23900">
-                  <a:latin typeface="+mj-lt"/>
-                  <a:ea typeface="+mj-ea"/>
-                  <a:cs typeface="+mj-cs"/>
-                  <a:sym typeface="Helvetica"/>
-                </a:defRPr>
-              </a:lvl1pPr>
-            </a:lstStyle>
-            <a:p>
-              <a:pPr/>
-              <a:r>
-                <a:t>JS</a:t>
-              </a:r>
-            </a:p>
-          </p:txBody>
-        </p:sp>
-      </p:grpSp>
+        </p:nvSpPr>
+        <p:spPr>
+          <a:xfrm>
+            <a:off x="3034655" y="-6762067"/>
+            <a:ext cx="6363720" cy="16504191"/>
+          </a:xfrm>
+          <a:prstGeom prst="rect">
+            <a:avLst/>
+          </a:prstGeom>
+          <a:ln w="12700">
+            <a:miter lim="400000"/>
+          </a:ln>
+          <a:extLst>
+            <a:ext uri="{C572A759-6A51-4108-AA02-DFA0A04FC94B}">
+              <ma14:wrappingTextBoxFlag xmlns:ma14="http://schemas.microsoft.com/office/mac/drawingml/2011/main" val="1"/>
+            </a:ext>
+          </a:extLst>
+        </p:spPr>
+        <p:txBody>
+          <a:bodyPr lIns="45718" tIns="45718" rIns="45718" bIns="45718" anchor="ctr"/>
+          <a:lstStyle>
+            <a:lvl1pPr algn="ctr">
+              <a:defRPr b="1" sz="23900">
+                <a:latin typeface="+mj-lt"/>
+                <a:ea typeface="+mj-ea"/>
+                <a:cs typeface="+mj-cs"/>
+                <a:sym typeface="Helvetica"/>
+              </a:defRPr>
+            </a:lvl1pPr>
+          </a:lstStyle>
+          <a:p>
+            <a:pPr/>
+            <a:r>
+              <a:t>JS</a:t>
+            </a:r>
+          </a:p>
+        </p:txBody>
+      </p:sp>
     </p:spTree>
   </p:cSld>
   <p:clrMapOvr>
@@ -3047,33 +3004,9 @@
           <a:chExt cx="0" cy="0"/>
         </a:xfrm>
       </p:grpSpPr>
-      <p:sp>
-        <p:nvSpPr>
-          <p:cNvPr id="145" name="Bind"/>
-          <p:cNvSpPr txBox="1"/>
-          <p:nvPr>
-            <p:ph type="title"/>
-          </p:nvPr>
-        </p:nvSpPr>
-        <p:spPr>
-          <a:prstGeom prst="rect">
-            <a:avLst/>
-          </a:prstGeom>
-        </p:spPr>
-        <p:txBody>
-          <a:bodyPr/>
-          <a:lstStyle/>
-          <a:p>
-            <a:pPr/>
-            <a:r>
-              <a:t>Bind</a:t>
-            </a:r>
-          </a:p>
-        </p:txBody>
-      </p:sp>
       <p:pic>
         <p:nvPicPr>
-          <p:cNvPr id="146" name="maxresdefault.jpg" descr="maxresdefault.jpg"/>
+          <p:cNvPr id="149" name="Google Shape;54;p13" descr="Google Shape;54;p13"/>
           <p:cNvPicPr>
             <a:picLocks noChangeAspect="1"/>
           </p:cNvPicPr>
@@ -3083,6 +3016,63 @@
           <a:blip r:embed="rId2">
             <a:extLst/>
           </a:blip>
+          <a:stretch>
+            <a:fillRect/>
+          </a:stretch>
+        </p:blipFill>
+        <p:spPr>
+          <a:xfrm>
+            <a:off x="0" y="0"/>
+            <a:ext cx="12191997" cy="6858000"/>
+          </a:xfrm>
+          <a:prstGeom prst="rect">
+            <a:avLst/>
+          </a:prstGeom>
+          <a:ln w="12700">
+            <a:miter lim="400000"/>
+          </a:ln>
+        </p:spPr>
+      </p:pic>
+      <p:sp>
+        <p:nvSpPr>
+          <p:cNvPr id="150" name="Bind"/>
+          <p:cNvSpPr txBox="1"/>
+          <p:nvPr>
+            <p:ph type="title"/>
+          </p:nvPr>
+        </p:nvSpPr>
+        <p:spPr>
+          <a:xfrm>
+            <a:off x="838200" y="365125"/>
+            <a:ext cx="10515600" cy="1325563"/>
+          </a:xfrm>
+          <a:prstGeom prst="rect">
+            <a:avLst/>
+          </a:prstGeom>
+        </p:spPr>
+        <p:txBody>
+          <a:bodyPr/>
+          <a:lstStyle/>
+          <a:p>
+            <a:pPr/>
+            <a:r>
+              <a:t>Bind</a:t>
+            </a:r>
+          </a:p>
+        </p:txBody>
+      </p:sp>
+      <p:pic>
+        <p:nvPicPr>
+          <p:cNvPr id="151" name="maxresdefault.jpg" descr="maxresdefault.jpg"/>
+          <p:cNvPicPr>
+            <a:picLocks noChangeAspect="1"/>
+          </p:cNvPicPr>
+          <p:nvPr/>
+        </p:nvPicPr>
+        <p:blipFill>
+          <a:blip r:embed="rId3">
+            <a:extLst/>
+          </a:blip>
           <a:srcRect l="44863" t="0" r="0" b="12512"/>
           <a:stretch>
             <a:fillRect/>
@@ -3090,8 +3080,8 @@
         </p:blipFill>
         <p:spPr>
           <a:xfrm>
-            <a:off x="3163747" y="1580015"/>
-            <a:ext cx="5864680" cy="5234451"/>
+            <a:off x="3163747" y="1580014"/>
+            <a:ext cx="5864680" cy="5234453"/>
           </a:xfrm>
           <a:prstGeom prst="rect">
             <a:avLst/>
@@ -3127,15 +3117,48 @@
           <a:chExt cx="0" cy="0"/>
         </a:xfrm>
       </p:grpSpPr>
+      <p:pic>
+        <p:nvPicPr>
+          <p:cNvPr id="153" name="Google Shape;54;p13" descr="Google Shape;54;p13"/>
+          <p:cNvPicPr>
+            <a:picLocks noChangeAspect="1"/>
+          </p:cNvPicPr>
+          <p:nvPr/>
+        </p:nvPicPr>
+        <p:blipFill>
+          <a:blip r:embed="rId2">
+            <a:extLst/>
+          </a:blip>
+          <a:stretch>
+            <a:fillRect/>
+          </a:stretch>
+        </p:blipFill>
+        <p:spPr>
+          <a:xfrm>
+            <a:off x="0" y="0"/>
+            <a:ext cx="12191997" cy="6858000"/>
+          </a:xfrm>
+          <a:prstGeom prst="rect">
+            <a:avLst/>
+          </a:prstGeom>
+          <a:ln w="12700">
+            <a:miter lim="400000"/>
+          </a:ln>
+        </p:spPr>
+      </p:pic>
       <p:sp>
         <p:nvSpPr>
-          <p:cNvPr id="148" name="Call Apply"/>
+          <p:cNvPr id="154" name="Call Apply"/>
           <p:cNvSpPr txBox="1"/>
           <p:nvPr>
             <p:ph type="title"/>
           </p:nvPr>
         </p:nvSpPr>
         <p:spPr>
+          <a:xfrm>
+            <a:off x="838200" y="365125"/>
+            <a:ext cx="10515600" cy="1325563"/>
+          </a:xfrm>
           <a:prstGeom prst="rect">
             <a:avLst/>
           </a:prstGeom>
@@ -3153,7 +3176,7 @@
       </p:sp>
       <p:sp>
         <p:nvSpPr>
-          <p:cNvPr id="149" name="// An object can be passed as the first argument to call or apply and this will be bound to it.…"/>
+          <p:cNvPr id="155" name="// An object can be passed as the first argument to call or apply and this will be bound to it.…"/>
           <p:cNvSpPr txBox="1"/>
           <p:nvPr>
             <p:ph type="body" idx="1"/>
@@ -3161,8 +3184,8 @@
         </p:nvSpPr>
         <p:spPr>
           <a:xfrm>
-            <a:off x="838200" y="1294655"/>
-            <a:ext cx="10993537" cy="5483227"/>
+            <a:off x="838199" y="1294655"/>
+            <a:ext cx="10993539" cy="5483227"/>
           </a:xfrm>
           <a:prstGeom prst="rect">
             <a:avLst/>
@@ -3172,184 +3195,170 @@
           <a:bodyPr/>
           <a:lstStyle/>
           <a:p>
-            <a:pPr marL="0" indent="0" defTabSz="502920">
+            <a:pPr marL="0" indent="0" defTabSz="502919">
               <a:spcBef>
                 <a:spcPts val="500"/>
               </a:spcBef>
               <a:buSzTx/>
-              <a:buFontTx/>
-              <a:buNone/>
-              <a:defRPr sz="2035"/>
-            </a:pPr>
-          </a:p>
-          <a:p>
-            <a:pPr marL="0" indent="0" defTabSz="502920">
+              <a:buNone/>
+              <a:defRPr sz="2000"/>
+            </a:pPr>
+          </a:p>
+          <a:p>
+            <a:pPr marL="0" indent="0" defTabSz="502919">
               <a:spcBef>
                 <a:spcPts val="500"/>
               </a:spcBef>
               <a:buSzTx/>
-              <a:buFontTx/>
-              <a:buNone/>
-              <a:defRPr sz="2035"/>
+              <a:buNone/>
+              <a:defRPr sz="2000"/>
             </a:pPr>
             <a:r>
               <a:t>// An object can be passed as the first argument to call or apply and this will be bound to it.</a:t>
             </a:r>
           </a:p>
           <a:p>
-            <a:pPr marL="0" indent="0" defTabSz="502920">
+            <a:pPr marL="0" indent="0" defTabSz="502919">
               <a:spcBef>
                 <a:spcPts val="500"/>
               </a:spcBef>
               <a:buSzTx/>
-              <a:buFontTx/>
-              <a:buNone/>
-              <a:defRPr sz="2035"/>
+              <a:buNone/>
+              <a:defRPr sz="2000"/>
             </a:pPr>
             <a:r>
               <a:t>var obj = {a: 'Custom'};</a:t>
             </a:r>
           </a:p>
           <a:p>
-            <a:pPr marL="0" indent="0" defTabSz="502920">
+            <a:pPr marL="0" indent="0" defTabSz="502919">
               <a:spcBef>
                 <a:spcPts val="500"/>
               </a:spcBef>
               <a:buSzTx/>
-              <a:buFontTx/>
-              <a:buNone/>
-              <a:defRPr sz="2035"/>
-            </a:pPr>
-          </a:p>
-          <a:p>
-            <a:pPr marL="0" indent="0" defTabSz="502920">
+              <a:buNone/>
+              <a:defRPr sz="2000"/>
+            </a:pPr>
+          </a:p>
+          <a:p>
+            <a:pPr marL="0" indent="0" defTabSz="502919">
               <a:spcBef>
                 <a:spcPts val="500"/>
               </a:spcBef>
               <a:buSzTx/>
-              <a:buFontTx/>
-              <a:buNone/>
-              <a:defRPr sz="2035"/>
+              <a:buNone/>
+              <a:defRPr sz="2000"/>
             </a:pPr>
             <a:r>
               <a:t>// This property is set on the global object</a:t>
             </a:r>
           </a:p>
           <a:p>
-            <a:pPr marL="0" indent="0" defTabSz="502920">
+            <a:pPr marL="0" indent="0" defTabSz="502919">
               <a:spcBef>
                 <a:spcPts val="500"/>
               </a:spcBef>
               <a:buSzTx/>
-              <a:buFontTx/>
-              <a:buNone/>
-              <a:defRPr sz="2035"/>
+              <a:buNone/>
+              <a:defRPr sz="2000"/>
             </a:pPr>
             <a:r>
               <a:t>var a = 'Global';</a:t>
             </a:r>
           </a:p>
           <a:p>
-            <a:pPr marL="0" indent="0" defTabSz="502920">
+            <a:pPr marL="0" indent="0" defTabSz="502919">
               <a:spcBef>
                 <a:spcPts val="500"/>
               </a:spcBef>
               <a:buSzTx/>
-              <a:buFontTx/>
-              <a:buNone/>
-              <a:defRPr sz="2035"/>
-            </a:pPr>
-          </a:p>
-          <a:p>
-            <a:pPr marL="0" indent="0" defTabSz="502920">
+              <a:buNone/>
+              <a:defRPr sz="2000"/>
+            </a:pPr>
+          </a:p>
+          <a:p>
+            <a:pPr marL="0" indent="0" defTabSz="502919">
               <a:spcBef>
                 <a:spcPts val="500"/>
               </a:spcBef>
               <a:buSzTx/>
-              <a:buFontTx/>
-              <a:buNone/>
-              <a:defRPr sz="2035"/>
+              <a:buNone/>
+              <a:defRPr sz="2000"/>
             </a:pPr>
             <a:r>
               <a:t>function whatsThis() {</a:t>
             </a:r>
           </a:p>
           <a:p>
-            <a:pPr marL="0" indent="0" defTabSz="502920">
+            <a:pPr marL="0" indent="0" defTabSz="502919">
               <a:spcBef>
                 <a:spcPts val="500"/>
               </a:spcBef>
               <a:buSzTx/>
-              <a:buFontTx/>
-              <a:buNone/>
-              <a:defRPr sz="2035"/>
+              <a:buNone/>
+              <a:defRPr sz="2000"/>
             </a:pPr>
             <a:r>
               <a:t>  return this.a;  // The value of this is dependent on how the function is called</a:t>
             </a:r>
           </a:p>
           <a:p>
-            <a:pPr marL="0" indent="0" defTabSz="502920">
+            <a:pPr marL="0" indent="0" defTabSz="502919">
               <a:spcBef>
                 <a:spcPts val="500"/>
               </a:spcBef>
               <a:buSzTx/>
-              <a:buFontTx/>
-              <a:buNone/>
-              <a:defRPr sz="2035"/>
+              <a:buNone/>
+              <a:defRPr sz="2000"/>
             </a:pPr>
             <a:r>
               <a:t>}</a:t>
             </a:r>
           </a:p>
           <a:p>
-            <a:pPr marL="0" indent="0" defTabSz="502920">
+            <a:pPr marL="0" indent="0" defTabSz="502919">
               <a:spcBef>
                 <a:spcPts val="500"/>
               </a:spcBef>
               <a:buSzTx/>
-              <a:buFontTx/>
-              <a:buNone/>
-              <a:defRPr sz="2035"/>
-            </a:pPr>
-          </a:p>
-          <a:p>
-            <a:pPr marL="0" indent="0" defTabSz="502920">
+              <a:buNone/>
+              <a:defRPr sz="2000"/>
+            </a:pPr>
+          </a:p>
+          <a:p>
+            <a:pPr marL="0" indent="0" defTabSz="502919">
               <a:spcBef>
                 <a:spcPts val="500"/>
               </a:spcBef>
               <a:buSzTx/>
-              <a:buFontTx/>
-              <a:buNone/>
-              <a:defRPr sz="2035"/>
+              <a:buNone/>
+              <a:defRPr sz="2000"/>
             </a:pPr>
             <a:r>
               <a:t>whatsThis();          // 'Global'</a:t>
             </a:r>
           </a:p>
           <a:p>
-            <a:pPr marL="0" indent="0" defTabSz="502920">
+            <a:pPr marL="0" indent="0" defTabSz="502919">
               <a:spcBef>
                 <a:spcPts val="500"/>
               </a:spcBef>
               <a:buSzTx/>
-              <a:buFontTx/>
-              <a:buNone/>
-              <a:defRPr sz="2035"/>
+              <a:buNone/>
+              <a:defRPr sz="2000"/>
             </a:pPr>
             <a:r>
               <a:t>whatsThis.call(obj);  // 'Custom'</a:t>
             </a:r>
           </a:p>
           <a:p>
-            <a:pPr marL="0" indent="0" defTabSz="502920">
+            <a:pPr marL="0" indent="0" defTabSz="502919">
               <a:spcBef>
                 <a:spcPts val="500"/>
               </a:spcBef>
               <a:buSzTx/>
-              <a:buFontTx/>
-              <a:buNone/>
-              <a:defRPr sz="2035"/>
+              <a:buNone/>
+              <a:defRPr sz="2000"/>
             </a:pPr>
             <a:r>
               <a:t>whatsThis.apply(obj); // 'Custom'</a:t>
@@ -3383,15 +3392,48 @@
           <a:chExt cx="0" cy="0"/>
         </a:xfrm>
       </p:grpSpPr>
+      <p:pic>
+        <p:nvPicPr>
+          <p:cNvPr id="157" name="Google Shape;54;p13" descr="Google Shape;54;p13"/>
+          <p:cNvPicPr>
+            <a:picLocks noChangeAspect="1"/>
+          </p:cNvPicPr>
+          <p:nvPr/>
+        </p:nvPicPr>
+        <p:blipFill>
+          <a:blip r:embed="rId2">
+            <a:extLst/>
+          </a:blip>
+          <a:stretch>
+            <a:fillRect/>
+          </a:stretch>
+        </p:blipFill>
+        <p:spPr>
+          <a:xfrm>
+            <a:off x="0" y="0"/>
+            <a:ext cx="12191997" cy="6858000"/>
+          </a:xfrm>
+          <a:prstGeom prst="rect">
+            <a:avLst/>
+          </a:prstGeom>
+          <a:ln w="12700">
+            <a:miter lim="400000"/>
+          </a:ln>
+        </p:spPr>
+      </p:pic>
       <p:sp>
         <p:nvSpPr>
-          <p:cNvPr id="151" name="Syntax"/>
+          <p:cNvPr id="158" name="Syntax"/>
           <p:cNvSpPr txBox="1"/>
           <p:nvPr>
             <p:ph type="title"/>
           </p:nvPr>
         </p:nvSpPr>
         <p:spPr>
+          <a:xfrm>
+            <a:off x="838200" y="365125"/>
+            <a:ext cx="10515600" cy="1325563"/>
+          </a:xfrm>
           <a:prstGeom prst="rect">
             <a:avLst/>
           </a:prstGeom>
@@ -3409,13 +3451,17 @@
       </p:sp>
       <p:sp>
         <p:nvSpPr>
-          <p:cNvPr id="152" name="call(thisArg, arg1, arg2, ...)…"/>
+          <p:cNvPr id="159" name="call(thisArg, arg1, arg2, ...)…"/>
           <p:cNvSpPr txBox="1"/>
           <p:nvPr>
             <p:ph type="body" idx="1"/>
           </p:nvPr>
         </p:nvSpPr>
         <p:spPr>
+          <a:xfrm>
+            <a:off x="838200" y="1825625"/>
+            <a:ext cx="10515600" cy="4351338"/>
+          </a:xfrm>
           <a:prstGeom prst="rect">
             <a:avLst/>
           </a:prstGeom>
@@ -3445,14 +3491,14 @@
       </p:sp>
       <p:sp>
         <p:nvSpPr>
-          <p:cNvPr id="153" name="https://stackoverflow.com/questions/15455009/javascript-call-apply-vs-bind"/>
+          <p:cNvPr id="160" name="https://stackoverflow.com/questions/15455009/javascript-call-apply-vs-bind"/>
           <p:cNvSpPr txBox="1"/>
           <p:nvPr/>
         </p:nvSpPr>
         <p:spPr>
           <a:xfrm>
-            <a:off x="1785969" y="4126850"/>
-            <a:ext cx="7197662" cy="333088"/>
+            <a:off x="1785968" y="4126851"/>
+            <a:ext cx="7197660" cy="333086"/>
           </a:xfrm>
           <a:prstGeom prst="rect">
             <a:avLst/>
@@ -3467,7 +3513,7 @@
           </a:extLst>
         </p:spPr>
         <p:txBody>
-          <a:bodyPr wrap="none" lIns="45719" rIns="45719">
+          <a:bodyPr wrap="none" lIns="45718" tIns="45718" rIns="45718" bIns="45718">
             <a:spAutoFit/>
           </a:bodyPr>
           <a:lstStyle/>
@@ -3505,16 +3551,45 @@
           <a:chExt cx="0" cy="0"/>
         </a:xfrm>
       </p:grpSpPr>
+      <p:pic>
+        <p:nvPicPr>
+          <p:cNvPr id="162" name="Google Shape;54;p13" descr="Google Shape;54;p13"/>
+          <p:cNvPicPr>
+            <a:picLocks noChangeAspect="1"/>
+          </p:cNvPicPr>
+          <p:nvPr/>
+        </p:nvPicPr>
+        <p:blipFill>
+          <a:blip r:embed="rId2">
+            <a:extLst/>
+          </a:blip>
+          <a:stretch>
+            <a:fillRect/>
+          </a:stretch>
+        </p:blipFill>
+        <p:spPr>
+          <a:xfrm>
+            <a:off x="0" y="0"/>
+            <a:ext cx="12191997" cy="6858000"/>
+          </a:xfrm>
+          <a:prstGeom prst="rect">
+            <a:avLst/>
+          </a:prstGeom>
+          <a:ln w="12700">
+            <a:miter lim="400000"/>
+          </a:ln>
+        </p:spPr>
+      </p:pic>
       <p:sp>
         <p:nvSpPr>
-          <p:cNvPr id="155" name="Rectangle 3"/>
+          <p:cNvPr id="163" name="Rectangle 3"/>
           <p:cNvSpPr txBox="1"/>
           <p:nvPr/>
         </p:nvSpPr>
         <p:spPr>
           <a:xfrm>
-            <a:off x="991651" y="819824"/>
-            <a:ext cx="9399402" cy="3899159"/>
+            <a:off x="991650" y="819825"/>
+            <a:ext cx="9399404" cy="3899157"/>
           </a:xfrm>
           <a:prstGeom prst="rect">
             <a:avLst/>
@@ -3529,7 +3604,7 @@
           </a:extLst>
         </p:spPr>
         <p:txBody>
-          <a:bodyPr lIns="45719" rIns="45719">
+          <a:bodyPr lIns="45718" tIns="45718" rIns="45718" bIns="45718">
             <a:spAutoFit/>
           </a:bodyPr>
           <a:lstStyle/>
@@ -3598,14 +3673,14 @@
       </p:sp>
       <p:sp>
         <p:nvSpPr>
-          <p:cNvPr id="156" name="Rectangle 4"/>
+          <p:cNvPr id="164" name="Rectangle 4"/>
           <p:cNvSpPr/>
           <p:nvPr/>
         </p:nvSpPr>
         <p:spPr>
           <a:xfrm>
-            <a:off x="0" y="4913293"/>
-            <a:ext cx="12192000" cy="876559"/>
+            <a:off x="2997200" y="4862493"/>
+            <a:ext cx="12192000" cy="876557"/>
           </a:xfrm>
           <a:prstGeom prst="rect">
             <a:avLst/>
@@ -3623,7 +3698,7 @@
           </a:extLst>
         </p:spPr>
         <p:txBody>
-          <a:bodyPr lIns="45719" rIns="45719">
+          <a:bodyPr lIns="45718" tIns="45718" rIns="45718" bIns="45718">
             <a:spAutoFit/>
           </a:bodyPr>
           <a:lstStyle/>
@@ -3632,7 +3707,7 @@
               <a:defRPr sz="2800"/>
             </a:pPr>
             <a:r>
-              <a:t>const greetingJohn = greeting.bind(john);// Hi, I am John and I am 24 years old</a:t>
+              <a:t>const greetingJohn = greeting.bind(john);</a:t>
             </a:r>
           </a:p>
           <a:p>
@@ -3671,34 +3746,9 @@
           <a:chExt cx="0" cy="0"/>
         </a:xfrm>
       </p:grpSpPr>
-      <p:sp>
-        <p:nvSpPr>
-          <p:cNvPr id="158" name="Title 1"/>
-          <p:cNvSpPr txBox="1"/>
-          <p:nvPr>
-            <p:ph type="title"/>
-          </p:nvPr>
-        </p:nvSpPr>
-        <p:spPr>
-          <a:xfrm>
-            <a:off x="838200" y="365125"/>
-            <a:ext cx="10515600" cy="1325563"/>
-          </a:xfrm>
-          <a:prstGeom prst="rect">
-            <a:avLst/>
-          </a:prstGeom>
-        </p:spPr>
-        <p:txBody>
-          <a:bodyPr/>
-          <a:lstStyle/>
-          <a:p>
-            <a:pPr/>
-          </a:p>
-        </p:txBody>
-      </p:sp>
       <p:pic>
         <p:nvPicPr>
-          <p:cNvPr id="159" name="Content Placeholder 4" descr="Content Placeholder 4"/>
+          <p:cNvPr id="166" name="Google Shape;54;p13" descr="Google Shape;54;p13"/>
           <p:cNvPicPr>
             <a:picLocks noChangeAspect="1"/>
           </p:cNvPicPr>
@@ -3714,8 +3764,62 @@
         </p:blipFill>
         <p:spPr>
           <a:xfrm>
-            <a:off x="3416022" y="1576552"/>
-            <a:ext cx="5622481" cy="5087007"/>
+            <a:off x="0" y="0"/>
+            <a:ext cx="12191997" cy="6858000"/>
+          </a:xfrm>
+          <a:prstGeom prst="rect">
+            <a:avLst/>
+          </a:prstGeom>
+          <a:ln w="12700">
+            <a:miter lim="400000"/>
+          </a:ln>
+        </p:spPr>
+      </p:pic>
+      <p:sp>
+        <p:nvSpPr>
+          <p:cNvPr id="167" name="Title 1"/>
+          <p:cNvSpPr txBox="1"/>
+          <p:nvPr>
+            <p:ph type="title"/>
+          </p:nvPr>
+        </p:nvSpPr>
+        <p:spPr>
+          <a:xfrm>
+            <a:off x="838200" y="365125"/>
+            <a:ext cx="10515600" cy="1325563"/>
+          </a:xfrm>
+          <a:prstGeom prst="rect">
+            <a:avLst/>
+          </a:prstGeom>
+        </p:spPr>
+        <p:txBody>
+          <a:bodyPr/>
+          <a:lstStyle/>
+          <a:p>
+            <a:pPr/>
+          </a:p>
+        </p:txBody>
+      </p:sp>
+      <p:pic>
+        <p:nvPicPr>
+          <p:cNvPr id="168" name="Content Placeholder 4" descr="Content Placeholder 4"/>
+          <p:cNvPicPr>
+            <a:picLocks noChangeAspect="1"/>
+          </p:cNvPicPr>
+          <p:nvPr/>
+        </p:nvPicPr>
+        <p:blipFill>
+          <a:blip r:embed="rId3">
+            <a:extLst/>
+          </a:blip>
+          <a:stretch>
+            <a:fillRect/>
+          </a:stretch>
+        </p:blipFill>
+        <p:spPr>
+          <a:xfrm>
+            <a:off x="3174722" y="885496"/>
+            <a:ext cx="5622481" cy="5087008"/>
           </a:xfrm>
           <a:prstGeom prst="rect">
             <a:avLst/>
@@ -3751,15 +3855,48 @@
           <a:chExt cx="0" cy="0"/>
         </a:xfrm>
       </p:grpSpPr>
+      <p:pic>
+        <p:nvPicPr>
+          <p:cNvPr id="170" name="Google Shape;54;p13" descr="Google Shape;54;p13"/>
+          <p:cNvPicPr>
+            <a:picLocks noChangeAspect="1"/>
+          </p:cNvPicPr>
+          <p:nvPr/>
+        </p:nvPicPr>
+        <p:blipFill>
+          <a:blip r:embed="rId2">
+            <a:extLst/>
+          </a:blip>
+          <a:stretch>
+            <a:fillRect/>
+          </a:stretch>
+        </p:blipFill>
+        <p:spPr>
+          <a:xfrm>
+            <a:off x="0" y="0"/>
+            <a:ext cx="12191997" cy="6858000"/>
+          </a:xfrm>
+          <a:prstGeom prst="rect">
+            <a:avLst/>
+          </a:prstGeom>
+          <a:ln w="12700">
+            <a:miter lim="400000"/>
+          </a:ln>
+        </p:spPr>
+      </p:pic>
       <p:sp>
         <p:nvSpPr>
-          <p:cNvPr id="161" name="Recap"/>
+          <p:cNvPr id="171" name="Recap"/>
           <p:cNvSpPr txBox="1"/>
           <p:nvPr>
             <p:ph type="title"/>
           </p:nvPr>
         </p:nvSpPr>
         <p:spPr>
+          <a:xfrm>
+            <a:off x="838200" y="365125"/>
+            <a:ext cx="10515600" cy="1325563"/>
+          </a:xfrm>
           <a:prstGeom prst="rect">
             <a:avLst/>
           </a:prstGeom>
@@ -3777,13 +3914,17 @@
       </p:sp>
       <p:sp>
         <p:nvSpPr>
-          <p:cNvPr id="162" name="Call invokes the function and allows you to pass in arguments one by one.…"/>
+          <p:cNvPr id="172" name="Call invokes the function and allows you to pass in arguments one by one.…"/>
           <p:cNvSpPr txBox="1"/>
           <p:nvPr>
             <p:ph type="body" idx="1"/>
           </p:nvPr>
         </p:nvSpPr>
         <p:spPr>
+          <a:xfrm>
+            <a:off x="838200" y="1825625"/>
+            <a:ext cx="10515600" cy="4351338"/>
+          </a:xfrm>
           <a:prstGeom prst="rect">
             <a:avLst/>
           </a:prstGeom>
@@ -3849,15 +3990,48 @@
           <a:chExt cx="0" cy="0"/>
         </a:xfrm>
       </p:grpSpPr>
+      <p:pic>
+        <p:nvPicPr>
+          <p:cNvPr id="174" name="Google Shape;54;p13" descr="Google Shape;54;p13"/>
+          <p:cNvPicPr>
+            <a:picLocks noChangeAspect="1"/>
+          </p:cNvPicPr>
+          <p:nvPr/>
+        </p:nvPicPr>
+        <p:blipFill>
+          <a:blip r:embed="rId2">
+            <a:extLst/>
+          </a:blip>
+          <a:stretch>
+            <a:fillRect/>
+          </a:stretch>
+        </p:blipFill>
+        <p:spPr>
+          <a:xfrm>
+            <a:off x="0" y="12700"/>
+            <a:ext cx="12191997" cy="6858000"/>
+          </a:xfrm>
+          <a:prstGeom prst="rect">
+            <a:avLst/>
+          </a:prstGeom>
+          <a:ln w="12700">
+            <a:miter lim="400000"/>
+          </a:ln>
+        </p:spPr>
+      </p:pic>
       <p:sp>
         <p:nvSpPr>
-          <p:cNvPr id="164" name="Tasks"/>
+          <p:cNvPr id="175" name="Tasks"/>
           <p:cNvSpPr txBox="1"/>
           <p:nvPr>
             <p:ph type="title"/>
           </p:nvPr>
         </p:nvSpPr>
         <p:spPr>
+          <a:xfrm>
+            <a:off x="838200" y="365125"/>
+            <a:ext cx="10515600" cy="1325563"/>
+          </a:xfrm>
           <a:prstGeom prst="rect">
             <a:avLst/>
           </a:prstGeom>
@@ -3875,13 +4049,17 @@
       </p:sp>
       <p:sp>
         <p:nvSpPr>
-          <p:cNvPr id="165" name="var func = function() {…"/>
+          <p:cNvPr id="176" name="var func = function() {…"/>
           <p:cNvSpPr txBox="1"/>
           <p:nvPr>
             <p:ph type="body" idx="1"/>
           </p:nvPr>
         </p:nvSpPr>
         <p:spPr>
+          <a:xfrm>
+            <a:off x="838200" y="1825625"/>
+            <a:ext cx="10515600" cy="4351338"/>
+          </a:xfrm>
           <a:prstGeom prst="rect">
             <a:avLst/>
           </a:prstGeom>
@@ -3892,7 +4070,6 @@
           <a:p>
             <a:pPr marL="0" indent="0">
               <a:buSzTx/>
-              <a:buFontTx/>
               <a:buNone/>
             </a:pPr>
             <a:r>
@@ -3902,7 +4079,6 @@
           <a:p>
             <a:pPr marL="0" indent="0">
               <a:buSzTx/>
-              <a:buFontTx/>
               <a:buNone/>
             </a:pPr>
             <a:r>
@@ -3912,7 +4088,6 @@
           <a:p>
             <a:pPr marL="0" indent="0">
               <a:buSzTx/>
-              <a:buFontTx/>
               <a:buNone/>
             </a:pPr>
             <a:r>
@@ -3922,14 +4097,12 @@
           <a:p>
             <a:pPr marL="0" indent="0">
               <a:buSzTx/>
-              <a:buFontTx/>
               <a:buNone/>
             </a:pPr>
           </a:p>
           <a:p>
             <a:pPr marL="0" indent="0">
               <a:buSzTx/>
-              <a:buFontTx/>
               <a:buNone/>
             </a:pPr>
             <a:r>
@@ -3964,15 +4137,48 @@
           <a:chExt cx="0" cy="0"/>
         </a:xfrm>
       </p:grpSpPr>
+      <p:pic>
+        <p:nvPicPr>
+          <p:cNvPr id="178" name="Google Shape;54;p13" descr="Google Shape;54;p13"/>
+          <p:cNvPicPr>
+            <a:picLocks noChangeAspect="1"/>
+          </p:cNvPicPr>
+          <p:nvPr/>
+        </p:nvPicPr>
+        <p:blipFill>
+          <a:blip r:embed="rId2">
+            <a:extLst/>
+          </a:blip>
+          <a:stretch>
+            <a:fillRect/>
+          </a:stretch>
+        </p:blipFill>
+        <p:spPr>
+          <a:xfrm>
+            <a:off x="0" y="0"/>
+            <a:ext cx="12191997" cy="6858000"/>
+          </a:xfrm>
+          <a:prstGeom prst="rect">
+            <a:avLst/>
+          </a:prstGeom>
+          <a:ln w="12700">
+            <a:miter lim="400000"/>
+          </a:ln>
+        </p:spPr>
+      </p:pic>
       <p:sp>
         <p:nvSpPr>
-          <p:cNvPr id="167" name="Tasks"/>
+          <p:cNvPr id="179" name="Tasks"/>
           <p:cNvSpPr txBox="1"/>
           <p:nvPr>
             <p:ph type="title"/>
           </p:nvPr>
         </p:nvSpPr>
         <p:spPr>
+          <a:xfrm>
+            <a:off x="838200" y="365125"/>
+            <a:ext cx="10515600" cy="1325563"/>
+          </a:xfrm>
           <a:prstGeom prst="rect">
             <a:avLst/>
           </a:prstGeom>
@@ -3990,13 +4196,17 @@
       </p:sp>
       <p:sp>
         <p:nvSpPr>
-          <p:cNvPr id="168" name="var func = function() {…"/>
+          <p:cNvPr id="180" name="var func = function() {…"/>
           <p:cNvSpPr txBox="1"/>
           <p:nvPr>
             <p:ph type="body" idx="1"/>
           </p:nvPr>
         </p:nvSpPr>
         <p:spPr>
+          <a:xfrm>
+            <a:off x="838200" y="1825625"/>
+            <a:ext cx="10515600" cy="4351338"/>
+          </a:xfrm>
           <a:prstGeom prst="rect">
             <a:avLst/>
           </a:prstGeom>
@@ -4007,7 +4217,6 @@
           <a:p>
             <a:pPr marL="0" indent="0">
               <a:buSzTx/>
-              <a:buFontTx/>
               <a:buNone/>
             </a:pPr>
             <a:r>
@@ -4017,7 +4226,6 @@
           <a:p>
             <a:pPr marL="0" indent="0">
               <a:buSzTx/>
-              <a:buFontTx/>
               <a:buNone/>
             </a:pPr>
             <a:r>
@@ -4027,7 +4235,6 @@
           <a:p>
             <a:pPr marL="0" indent="0">
               <a:buSzTx/>
-              <a:buFontTx/>
               <a:buNone/>
             </a:pPr>
             <a:r>
@@ -4037,7 +4244,6 @@
           <a:p>
             <a:pPr marL="0" indent="0">
               <a:buSzTx/>
-              <a:buFontTx/>
               <a:buNone/>
             </a:pPr>
             <a:r>
@@ -4047,7 +4253,6 @@
           <a:p>
             <a:pPr marL="0" indent="0">
               <a:buSzTx/>
-              <a:buFontTx/>
               <a:buNone/>
             </a:pPr>
             <a:r>
@@ -4057,7 +4262,6 @@
           <a:p>
             <a:pPr marL="0" indent="0">
               <a:buSzTx/>
-              <a:buFontTx/>
               <a:buNone/>
             </a:pPr>
             <a:r>
@@ -4067,7 +4271,6 @@
           <a:p>
             <a:pPr marL="0" indent="0">
               <a:buSzTx/>
-              <a:buFontTx/>
               <a:buNone/>
             </a:pPr>
             <a:r>
@@ -4077,7 +4280,6 @@
           <a:p>
             <a:pPr marL="0" indent="0">
               <a:buSzTx/>
-              <a:buFontTx/>
               <a:buNone/>
             </a:pPr>
             <a:r>
@@ -4112,15 +4314,48 @@
           <a:chExt cx="0" cy="0"/>
         </a:xfrm>
       </p:grpSpPr>
+      <p:pic>
+        <p:nvPicPr>
+          <p:cNvPr id="182" name="Google Shape;54;p13" descr="Google Shape;54;p13"/>
+          <p:cNvPicPr>
+            <a:picLocks noChangeAspect="1"/>
+          </p:cNvPicPr>
+          <p:nvPr/>
+        </p:nvPicPr>
+        <p:blipFill>
+          <a:blip r:embed="rId2">
+            <a:extLst/>
+          </a:blip>
+          <a:stretch>
+            <a:fillRect/>
+          </a:stretch>
+        </p:blipFill>
+        <p:spPr>
+          <a:xfrm>
+            <a:off x="0" y="0"/>
+            <a:ext cx="12191997" cy="6858000"/>
+          </a:xfrm>
+          <a:prstGeom prst="rect">
+            <a:avLst/>
+          </a:prstGeom>
+          <a:ln w="12700">
+            <a:miter lim="400000"/>
+          </a:ln>
+        </p:spPr>
+      </p:pic>
       <p:sp>
         <p:nvSpPr>
-          <p:cNvPr id="170" name="Tasks"/>
+          <p:cNvPr id="183" name="Tasks"/>
           <p:cNvSpPr txBox="1"/>
           <p:nvPr>
             <p:ph type="title"/>
           </p:nvPr>
         </p:nvSpPr>
         <p:spPr>
+          <a:xfrm>
+            <a:off x="838200" y="365125"/>
+            <a:ext cx="10515600" cy="1325563"/>
+          </a:xfrm>
           <a:prstGeom prst="rect">
             <a:avLst/>
           </a:prstGeom>
@@ -4138,13 +4373,17 @@
       </p:sp>
       <p:sp>
         <p:nvSpPr>
-          <p:cNvPr id="171" name="function checkFun(a, b, c){…"/>
+          <p:cNvPr id="184" name="function checkFun(a, b, c){…"/>
           <p:cNvSpPr txBox="1"/>
           <p:nvPr>
             <p:ph type="body" idx="1"/>
           </p:nvPr>
         </p:nvSpPr>
         <p:spPr>
+          <a:xfrm>
+            <a:off x="838200" y="1825625"/>
+            <a:ext cx="10515600" cy="4351338"/>
+          </a:xfrm>
           <a:prstGeom prst="rect">
             <a:avLst/>
           </a:prstGeom>
@@ -4155,7 +4394,6 @@
           <a:p>
             <a:pPr marL="0" indent="0">
               <a:buSzTx/>
-              <a:buFontTx/>
               <a:buNone/>
             </a:pPr>
             <a:r>
@@ -4165,7 +4403,6 @@
           <a:p>
             <a:pPr marL="0" indent="0">
               <a:buSzTx/>
-              <a:buFontTx/>
               <a:buNone/>
             </a:pPr>
             <a:r>
@@ -4175,7 +4412,6 @@
           <a:p>
             <a:pPr marL="0" indent="0">
               <a:buSzTx/>
-              <a:buFontTx/>
               <a:buNone/>
             </a:pPr>
             <a:r>
@@ -4185,7 +4421,6 @@
           <a:p>
             <a:pPr marL="0" indent="0">
               <a:buSzTx/>
-              <a:buFontTx/>
               <a:buNone/>
             </a:pPr>
             <a:r>
@@ -4195,7 +4430,6 @@
           <a:p>
             <a:pPr marL="0" indent="0">
               <a:buSzTx/>
-              <a:buFontTx/>
               <a:buNone/>
             </a:pPr>
             <a:r>
@@ -4205,7 +4439,6 @@
           <a:p>
             <a:pPr marL="0" indent="0">
               <a:buSzTx/>
-              <a:buFontTx/>
               <a:buNone/>
             </a:pPr>
             <a:r>
@@ -4215,7 +4448,6 @@
           <a:p>
             <a:pPr marL="0" indent="0">
               <a:buSzTx/>
-              <a:buFontTx/>
               <a:buNone/>
             </a:pPr>
             <a:r>
@@ -4250,15 +4482,48 @@
           <a:chExt cx="0" cy="0"/>
         </a:xfrm>
       </p:grpSpPr>
+      <p:pic>
+        <p:nvPicPr>
+          <p:cNvPr id="186" name="Google Shape;54;p13" descr="Google Shape;54;p13"/>
+          <p:cNvPicPr>
+            <a:picLocks noChangeAspect="1"/>
+          </p:cNvPicPr>
+          <p:nvPr/>
+        </p:nvPicPr>
+        <p:blipFill>
+          <a:blip r:embed="rId2">
+            <a:extLst/>
+          </a:blip>
+          <a:stretch>
+            <a:fillRect/>
+          </a:stretch>
+        </p:blipFill>
+        <p:spPr>
+          <a:xfrm>
+            <a:off x="0" y="0"/>
+            <a:ext cx="12191997" cy="6858000"/>
+          </a:xfrm>
+          <a:prstGeom prst="rect">
+            <a:avLst/>
+          </a:prstGeom>
+          <a:ln w="12700">
+            <a:miter lim="400000"/>
+          </a:ln>
+        </p:spPr>
+      </p:pic>
       <p:sp>
         <p:nvSpPr>
-          <p:cNvPr id="173" name="Tasks"/>
+          <p:cNvPr id="187" name="Tasks"/>
           <p:cNvSpPr txBox="1"/>
           <p:nvPr>
             <p:ph type="title"/>
           </p:nvPr>
         </p:nvSpPr>
         <p:spPr>
+          <a:xfrm>
+            <a:off x="838200" y="365125"/>
+            <a:ext cx="10515600" cy="1325563"/>
+          </a:xfrm>
           <a:prstGeom prst="rect">
             <a:avLst/>
           </a:prstGeom>
@@ -4276,13 +4541,17 @@
       </p:sp>
       <p:sp>
         <p:nvSpPr>
-          <p:cNvPr id="174" name="function checkFun(a, b, c){…"/>
+          <p:cNvPr id="188" name="function checkFun(a, b, c){…"/>
           <p:cNvSpPr txBox="1"/>
           <p:nvPr>
             <p:ph type="body" idx="1"/>
           </p:nvPr>
         </p:nvSpPr>
         <p:spPr>
+          <a:xfrm>
+            <a:off x="838200" y="1825625"/>
+            <a:ext cx="10515600" cy="4351338"/>
+          </a:xfrm>
           <a:prstGeom prst="rect">
             <a:avLst/>
           </a:prstGeom>
@@ -4293,7 +4562,6 @@
           <a:p>
             <a:pPr marL="0" indent="0">
               <a:buSzTx/>
-              <a:buFontTx/>
               <a:buNone/>
             </a:pPr>
             <a:r>
@@ -4303,7 +4571,6 @@
           <a:p>
             <a:pPr marL="0" indent="0">
               <a:buSzTx/>
-              <a:buFontTx/>
               <a:buNone/>
             </a:pPr>
             <a:r>
@@ -4313,7 +4580,6 @@
           <a:p>
             <a:pPr marL="0" indent="0">
               <a:buSzTx/>
-              <a:buFontTx/>
               <a:buNone/>
             </a:pPr>
             <a:r>
@@ -4323,7 +4589,6 @@
           <a:p>
             <a:pPr marL="0" indent="0">
               <a:buSzTx/>
-              <a:buFontTx/>
               <a:buNone/>
             </a:pPr>
             <a:r>
@@ -4333,7 +4598,6 @@
           <a:p>
             <a:pPr marL="0" indent="0">
               <a:buSzTx/>
-              <a:buFontTx/>
               <a:buNone/>
             </a:pPr>
             <a:r>
@@ -4343,7 +4607,6 @@
           <a:p>
             <a:pPr marL="0" indent="0">
               <a:buSzTx/>
-              <a:buFontTx/>
               <a:buNone/>
             </a:pPr>
             <a:r>
@@ -4353,7 +4616,6 @@
           <a:p>
             <a:pPr marL="0" indent="0">
               <a:buSzTx/>
-              <a:buFontTx/>
               <a:buNone/>
             </a:pPr>
             <a:r>
@@ -4388,6 +4650,35 @@
           <a:chExt cx="0" cy="0"/>
         </a:xfrm>
       </p:grpSpPr>
+      <p:pic>
+        <p:nvPicPr>
+          <p:cNvPr id="104" name="Google Shape;54;p13" descr="Google Shape;54;p13"/>
+          <p:cNvPicPr>
+            <a:picLocks noChangeAspect="1"/>
+          </p:cNvPicPr>
+          <p:nvPr/>
+        </p:nvPicPr>
+        <p:blipFill>
+          <a:blip r:embed="rId2">
+            <a:extLst/>
+          </a:blip>
+          <a:stretch>
+            <a:fillRect/>
+          </a:stretch>
+        </p:blipFill>
+        <p:spPr>
+          <a:xfrm>
+            <a:off x="0" y="0"/>
+            <a:ext cx="12191997" cy="6858000"/>
+          </a:xfrm>
+          <a:prstGeom prst="rect">
+            <a:avLst/>
+          </a:prstGeom>
+          <a:ln w="12700">
+            <a:miter lim="400000"/>
+          </a:ln>
+        </p:spPr>
+      </p:pic>
       <p:sp>
         <p:nvSpPr>
           <p:cNvPr id="105" name="this"/>
@@ -4397,6 +4688,10 @@
           </p:nvPr>
         </p:nvSpPr>
         <p:spPr>
+          <a:xfrm>
+            <a:off x="838200" y="365125"/>
+            <a:ext cx="10515600" cy="1325563"/>
+          </a:xfrm>
           <a:prstGeom prst="rect">
             <a:avLst/>
           </a:prstGeom>
@@ -4421,6 +4716,10 @@
           </p:nvPr>
         </p:nvSpPr>
         <p:spPr>
+          <a:xfrm>
+            <a:off x="838200" y="1825625"/>
+            <a:ext cx="10515600" cy="4351338"/>
+          </a:xfrm>
           <a:prstGeom prst="rect">
             <a:avLst/>
           </a:prstGeom>
@@ -4434,9 +4733,8 @@
                 <a:spcPts val="900"/>
               </a:spcBef>
               <a:buSzTx/>
-              <a:buFontTx/>
-              <a:buNone/>
-              <a:defRPr sz="2576"/>
+              <a:buNone/>
+              <a:defRPr sz="2500"/>
             </a:pPr>
             <a:r>
               <a:t>const test = {</a:t>
@@ -4448,9 +4746,8 @@
                 <a:spcPts val="900"/>
               </a:spcBef>
               <a:buSzTx/>
-              <a:buFontTx/>
-              <a:buNone/>
-              <a:defRPr sz="2576"/>
+              <a:buNone/>
+              <a:defRPr sz="2500"/>
             </a:pPr>
             <a:r>
               <a:t>  prop: 42,</a:t>
@@ -4462,9 +4759,8 @@
                 <a:spcPts val="900"/>
               </a:spcBef>
               <a:buSzTx/>
-              <a:buFontTx/>
-              <a:buNone/>
-              <a:defRPr sz="2576"/>
+              <a:buNone/>
+              <a:defRPr sz="2500"/>
             </a:pPr>
             <a:r>
               <a:t>  func: function() {</a:t>
@@ -4476,9 +4772,8 @@
                 <a:spcPts val="900"/>
               </a:spcBef>
               <a:buSzTx/>
-              <a:buFontTx/>
-              <a:buNone/>
-              <a:defRPr sz="2576"/>
+              <a:buNone/>
+              <a:defRPr sz="2500"/>
             </a:pPr>
             <a:r>
               <a:t>    return this.prop;</a:t>
@@ -4490,9 +4785,8 @@
                 <a:spcPts val="900"/>
               </a:spcBef>
               <a:buSzTx/>
-              <a:buFontTx/>
-              <a:buNone/>
-              <a:defRPr sz="2576"/>
+              <a:buNone/>
+              <a:defRPr sz="2500"/>
             </a:pPr>
             <a:r>
               <a:t>  },</a:t>
@@ -4504,9 +4798,8 @@
                 <a:spcPts val="900"/>
               </a:spcBef>
               <a:buSzTx/>
-              <a:buFontTx/>
-              <a:buNone/>
-              <a:defRPr sz="2576"/>
+              <a:buNone/>
+              <a:defRPr sz="2500"/>
             </a:pPr>
             <a:r>
               <a:t>};</a:t>
@@ -4518,9 +4811,8 @@
                 <a:spcPts val="900"/>
               </a:spcBef>
               <a:buSzTx/>
-              <a:buFontTx/>
-              <a:buNone/>
-              <a:defRPr sz="2576"/>
+              <a:buNone/>
+              <a:defRPr sz="2500"/>
             </a:pPr>
           </a:p>
           <a:p>
@@ -4529,9 +4821,8 @@
                 <a:spcPts val="900"/>
               </a:spcBef>
               <a:buSzTx/>
-              <a:buFontTx/>
-              <a:buNone/>
-              <a:defRPr sz="2576"/>
+              <a:buNone/>
+              <a:defRPr sz="2500"/>
             </a:pPr>
             <a:r>
               <a:t>console.log(test.func());</a:t>
@@ -4543,9 +4834,8 @@
                 <a:spcPts val="900"/>
               </a:spcBef>
               <a:buSzTx/>
-              <a:buFontTx/>
-              <a:buNone/>
-              <a:defRPr sz="2576"/>
+              <a:buNone/>
+              <a:defRPr sz="2500"/>
             </a:pPr>
             <a:r>
               <a:t>// expected output: 42</a:t>
@@ -4579,15 +4869,48 @@
           <a:chExt cx="0" cy="0"/>
         </a:xfrm>
       </p:grpSpPr>
+      <p:pic>
+        <p:nvPicPr>
+          <p:cNvPr id="190" name="Google Shape;54;p13" descr="Google Shape;54;p13"/>
+          <p:cNvPicPr>
+            <a:picLocks noChangeAspect="1"/>
+          </p:cNvPicPr>
+          <p:nvPr/>
+        </p:nvPicPr>
+        <p:blipFill>
+          <a:blip r:embed="rId2">
+            <a:extLst/>
+          </a:blip>
+          <a:stretch>
+            <a:fillRect/>
+          </a:stretch>
+        </p:blipFill>
+        <p:spPr>
+          <a:xfrm>
+            <a:off x="0" y="0"/>
+            <a:ext cx="12191997" cy="6858000"/>
+          </a:xfrm>
+          <a:prstGeom prst="rect">
+            <a:avLst/>
+          </a:prstGeom>
+          <a:ln w="12700">
+            <a:miter lim="400000"/>
+          </a:ln>
+        </p:spPr>
+      </p:pic>
       <p:sp>
         <p:nvSpPr>
-          <p:cNvPr id="176" name="Tasks"/>
+          <p:cNvPr id="191" name="Tasks"/>
           <p:cNvSpPr txBox="1"/>
           <p:nvPr>
             <p:ph type="title"/>
           </p:nvPr>
         </p:nvSpPr>
         <p:spPr>
+          <a:xfrm>
+            <a:off x="838200" y="365125"/>
+            <a:ext cx="10515600" cy="1325563"/>
+          </a:xfrm>
           <a:prstGeom prst="rect">
             <a:avLst/>
           </a:prstGeom>
@@ -4605,13 +4928,17 @@
       </p:sp>
       <p:sp>
         <p:nvSpPr>
-          <p:cNvPr id="177" name="function sumOfNumbers() {…"/>
+          <p:cNvPr id="192" name="function sumOfNumbers() {…"/>
           <p:cNvSpPr txBox="1"/>
           <p:nvPr>
             <p:ph type="body" idx="1"/>
           </p:nvPr>
         </p:nvSpPr>
         <p:spPr>
+          <a:xfrm>
+            <a:off x="838200" y="1825625"/>
+            <a:ext cx="10515600" cy="4351338"/>
+          </a:xfrm>
           <a:prstGeom prst="rect">
             <a:avLst/>
           </a:prstGeom>
@@ -4625,9 +4952,8 @@
                 <a:spcPts val="900"/>
               </a:spcBef>
               <a:buSzTx/>
-              <a:buFontTx/>
-              <a:buNone/>
-              <a:defRPr sz="2576"/>
+              <a:buNone/>
+              <a:defRPr sz="2500"/>
             </a:pPr>
             <a:r>
               <a:t>function sumOfNumbers() {</a:t>
@@ -4639,9 +4965,8 @@
                 <a:spcPts val="900"/>
               </a:spcBef>
               <a:buSzTx/>
-              <a:buFontTx/>
-              <a:buNone/>
-              <a:defRPr sz="2576"/>
+              <a:buNone/>
+              <a:defRPr sz="2500"/>
             </a:pPr>
             <a:r>
               <a:t>    var total = 0;</a:t>
@@ -4653,9 +4978,8 @@
                 <a:spcPts val="900"/>
               </a:spcBef>
               <a:buSzTx/>
-              <a:buFontTx/>
-              <a:buNone/>
-              <a:defRPr sz="2576"/>
+              <a:buNone/>
+              <a:defRPr sz="2500"/>
             </a:pPr>
             <a:r>
               <a:t>    for(var i = 0; i &lt; arguments.length; i++){</a:t>
@@ -4667,9 +4991,8 @@
                 <a:spcPts val="900"/>
               </a:spcBef>
               <a:buSzTx/>
-              <a:buFontTx/>
-              <a:buNone/>
-              <a:defRPr sz="2576"/>
+              <a:buNone/>
+              <a:defRPr sz="2500"/>
             </a:pPr>
             <a:r>
               <a:t>        total += arguments[i];</a:t>
@@ -4681,9 +5004,8 @@
                 <a:spcPts val="900"/>
               </a:spcBef>
               <a:buSzTx/>
-              <a:buFontTx/>
-              <a:buNone/>
-              <a:defRPr sz="2576"/>
+              <a:buNone/>
+              <a:defRPr sz="2500"/>
             </a:pPr>
             <a:r>
               <a:t>    }</a:t>
@@ -4695,9 +5017,8 @@
                 <a:spcPts val="900"/>
               </a:spcBef>
               <a:buSzTx/>
-              <a:buFontTx/>
-              <a:buNone/>
-              <a:defRPr sz="2576"/>
+              <a:buNone/>
+              <a:defRPr sz="2500"/>
             </a:pPr>
             <a:r>
               <a:t>    return total;</a:t>
@@ -4709,9 +5030,8 @@
                 <a:spcPts val="900"/>
               </a:spcBef>
               <a:buSzTx/>
-              <a:buFontTx/>
-              <a:buNone/>
-              <a:defRPr sz="2576"/>
+              <a:buNone/>
+              <a:defRPr sz="2500"/>
             </a:pPr>
             <a:r>
               <a:t>}</a:t>
@@ -4723,9 +5043,8 @@
                 <a:spcPts val="900"/>
               </a:spcBef>
               <a:buSzTx/>
-              <a:buFontTx/>
-              <a:buNone/>
-              <a:defRPr sz="2576"/>
+              <a:buNone/>
+              <a:defRPr sz="2500"/>
             </a:pPr>
             <a:r>
               <a:t>var sum = sumOfNumbers(1,2,3);</a:t>
@@ -4737,9 +5056,8 @@
                 <a:spcPts val="900"/>
               </a:spcBef>
               <a:buSzTx/>
-              <a:buFontTx/>
-              <a:buNone/>
-              <a:defRPr sz="2576"/>
+              <a:buNone/>
+              <a:defRPr sz="2500"/>
             </a:pPr>
             <a:r>
               <a:t>console.log(sum);</a:t>
@@ -4773,15 +5091,48 @@
           <a:chExt cx="0" cy="0"/>
         </a:xfrm>
       </p:grpSpPr>
+      <p:pic>
+        <p:nvPicPr>
+          <p:cNvPr id="194" name="Google Shape;54;p13" descr="Google Shape;54;p13"/>
+          <p:cNvPicPr>
+            <a:picLocks noChangeAspect="1"/>
+          </p:cNvPicPr>
+          <p:nvPr/>
+        </p:nvPicPr>
+        <p:blipFill>
+          <a:blip r:embed="rId2">
+            <a:extLst/>
+          </a:blip>
+          <a:stretch>
+            <a:fillRect/>
+          </a:stretch>
+        </p:blipFill>
+        <p:spPr>
+          <a:xfrm>
+            <a:off x="0" y="0"/>
+            <a:ext cx="12191997" cy="6858000"/>
+          </a:xfrm>
+          <a:prstGeom prst="rect">
+            <a:avLst/>
+          </a:prstGeom>
+          <a:ln w="12700">
+            <a:miter lim="400000"/>
+          </a:ln>
+        </p:spPr>
+      </p:pic>
       <p:sp>
         <p:nvSpPr>
-          <p:cNvPr id="179" name="Tasks"/>
+          <p:cNvPr id="195" name="Tasks"/>
           <p:cNvSpPr txBox="1"/>
           <p:nvPr>
             <p:ph type="title"/>
           </p:nvPr>
         </p:nvSpPr>
         <p:spPr>
+          <a:xfrm>
+            <a:off x="838200" y="365125"/>
+            <a:ext cx="10515600" cy="1325563"/>
+          </a:xfrm>
           <a:prstGeom prst="rect">
             <a:avLst/>
           </a:prstGeom>
@@ -4799,13 +5150,17 @@
       </p:sp>
       <p:sp>
         <p:nvSpPr>
-          <p:cNvPr id="180" name="function sumOfNumbers() {…"/>
+          <p:cNvPr id="196" name="function sumOfNumbers() {…"/>
           <p:cNvSpPr txBox="1"/>
           <p:nvPr>
             <p:ph type="body" idx="1"/>
           </p:nvPr>
         </p:nvSpPr>
         <p:spPr>
+          <a:xfrm>
+            <a:off x="838200" y="1825625"/>
+            <a:ext cx="10515600" cy="4351338"/>
+          </a:xfrm>
           <a:prstGeom prst="rect">
             <a:avLst/>
           </a:prstGeom>
@@ -4819,9 +5174,8 @@
                 <a:spcPts val="900"/>
               </a:spcBef>
               <a:buSzTx/>
-              <a:buFontTx/>
-              <a:buNone/>
-              <a:defRPr sz="2576"/>
+              <a:buNone/>
+              <a:defRPr sz="2500"/>
             </a:pPr>
             <a:r>
               <a:t>function sumOfNumbers() {</a:t>
@@ -4833,9 +5187,8 @@
                 <a:spcPts val="900"/>
               </a:spcBef>
               <a:buSzTx/>
-              <a:buFontTx/>
-              <a:buNone/>
-              <a:defRPr sz="2576"/>
+              <a:buNone/>
+              <a:defRPr sz="2500"/>
             </a:pPr>
             <a:r>
               <a:t>    var total = 0;</a:t>
@@ -4847,9 +5200,8 @@
                 <a:spcPts val="900"/>
               </a:spcBef>
               <a:buSzTx/>
-              <a:buFontTx/>
-              <a:buNone/>
-              <a:defRPr sz="2576"/>
+              <a:buNone/>
+              <a:defRPr sz="2500"/>
             </a:pPr>
             <a:r>
               <a:t>    for(var i = 0; i &lt; arguments.length; i++){</a:t>
@@ -4861,9 +5213,8 @@
                 <a:spcPts val="900"/>
               </a:spcBef>
               <a:buSzTx/>
-              <a:buFontTx/>
-              <a:buNone/>
-              <a:defRPr sz="2576"/>
+              <a:buNone/>
+              <a:defRPr sz="2500"/>
             </a:pPr>
             <a:r>
               <a:t>        total += arguments[i];</a:t>
@@ -4875,9 +5226,8 @@
                 <a:spcPts val="900"/>
               </a:spcBef>
               <a:buSzTx/>
-              <a:buFontTx/>
-              <a:buNone/>
-              <a:defRPr sz="2576"/>
+              <a:buNone/>
+              <a:defRPr sz="2500"/>
             </a:pPr>
             <a:r>
               <a:t>    }</a:t>
@@ -4889,9 +5239,8 @@
                 <a:spcPts val="900"/>
               </a:spcBef>
               <a:buSzTx/>
-              <a:buFontTx/>
-              <a:buNone/>
-              <a:defRPr sz="2576"/>
+              <a:buNone/>
+              <a:defRPr sz="2500"/>
             </a:pPr>
             <a:r>
               <a:t>    return total;</a:t>
@@ -4903,9 +5252,8 @@
                 <a:spcPts val="900"/>
               </a:spcBef>
               <a:buSzTx/>
-              <a:buFontTx/>
-              <a:buNone/>
-              <a:defRPr sz="2576"/>
+              <a:buNone/>
+              <a:defRPr sz="2500"/>
             </a:pPr>
             <a:r>
               <a:t>}</a:t>
@@ -4917,9 +5265,8 @@
                 <a:spcPts val="900"/>
               </a:spcBef>
               <a:buSzTx/>
-              <a:buFontTx/>
-              <a:buNone/>
-              <a:defRPr sz="2576"/>
+              <a:buNone/>
+              <a:defRPr sz="2500"/>
             </a:pPr>
             <a:r>
               <a:t>var sum = sumOfNumbers.call(null,1,2,3);</a:t>
@@ -4931,9 +5278,8 @@
                 <a:spcPts val="900"/>
               </a:spcBef>
               <a:buSzTx/>
-              <a:buFontTx/>
-              <a:buNone/>
-              <a:defRPr sz="2576"/>
+              <a:buNone/>
+              <a:defRPr sz="2500"/>
             </a:pPr>
             <a:r>
               <a:t>console.log(sum);</a:t>
@@ -4967,15 +5313,48 @@
           <a:chExt cx="0" cy="0"/>
         </a:xfrm>
       </p:grpSpPr>
+      <p:pic>
+        <p:nvPicPr>
+          <p:cNvPr id="198" name="Google Shape;54;p13" descr="Google Shape;54;p13"/>
+          <p:cNvPicPr>
+            <a:picLocks noChangeAspect="1"/>
+          </p:cNvPicPr>
+          <p:nvPr/>
+        </p:nvPicPr>
+        <p:blipFill>
+          <a:blip r:embed="rId2">
+            <a:extLst/>
+          </a:blip>
+          <a:stretch>
+            <a:fillRect/>
+          </a:stretch>
+        </p:blipFill>
+        <p:spPr>
+          <a:xfrm>
+            <a:off x="0" y="0"/>
+            <a:ext cx="12191997" cy="6858000"/>
+          </a:xfrm>
+          <a:prstGeom prst="rect">
+            <a:avLst/>
+          </a:prstGeom>
+          <a:ln w="12700">
+            <a:miter lim="400000"/>
+          </a:ln>
+        </p:spPr>
+      </p:pic>
       <p:sp>
         <p:nvSpPr>
-          <p:cNvPr id="182" name="Tasks"/>
+          <p:cNvPr id="199" name="Tasks"/>
           <p:cNvSpPr txBox="1"/>
           <p:nvPr>
             <p:ph type="title"/>
           </p:nvPr>
         </p:nvSpPr>
         <p:spPr>
+          <a:xfrm>
+            <a:off x="838200" y="365125"/>
+            <a:ext cx="10515600" cy="1325563"/>
+          </a:xfrm>
           <a:prstGeom prst="rect">
             <a:avLst/>
           </a:prstGeom>
@@ -4993,13 +5372,17 @@
       </p:sp>
       <p:sp>
         <p:nvSpPr>
-          <p:cNvPr id="183" name="var total = 0;…"/>
+          <p:cNvPr id="200" name="var total = 0;…"/>
           <p:cNvSpPr txBox="1"/>
           <p:nvPr>
             <p:ph type="body" idx="1"/>
           </p:nvPr>
         </p:nvSpPr>
         <p:spPr>
+          <a:xfrm>
+            <a:off x="838200" y="1825625"/>
+            <a:ext cx="10515600" cy="4351338"/>
+          </a:xfrm>
           <a:prstGeom prst="rect">
             <a:avLst/>
           </a:prstGeom>
@@ -5013,9 +5396,8 @@
                 <a:spcPts val="900"/>
               </a:spcBef>
               <a:buSzTx/>
-              <a:buFontTx/>
-              <a:buNone/>
-              <a:defRPr sz="2576"/>
+              <a:buNone/>
+              <a:defRPr sz="2500"/>
             </a:pPr>
             <a:r>
               <a:t>    var total = 0;</a:t>
@@ -5027,9 +5409,8 @@
                 <a:spcPts val="900"/>
               </a:spcBef>
               <a:buSzTx/>
-              <a:buFontTx/>
-              <a:buNone/>
-              <a:defRPr sz="2576"/>
+              <a:buNone/>
+              <a:defRPr sz="2500"/>
             </a:pPr>
             <a:r>
               <a:t>    for(var i = 0; i &lt; arguments.length; i++){</a:t>
@@ -5041,9 +5422,8 @@
                 <a:spcPts val="900"/>
               </a:spcBef>
               <a:buSzTx/>
-              <a:buFontTx/>
-              <a:buNone/>
-              <a:defRPr sz="2576"/>
+              <a:buNone/>
+              <a:defRPr sz="2500"/>
             </a:pPr>
             <a:r>
               <a:t>        total += arguments[i];</a:t>
@@ -5055,9 +5435,8 @@
                 <a:spcPts val="900"/>
               </a:spcBef>
               <a:buSzTx/>
-              <a:buFontTx/>
-              <a:buNone/>
-              <a:defRPr sz="2576"/>
+              <a:buNone/>
+              <a:defRPr sz="2500"/>
             </a:pPr>
             <a:r>
               <a:t>    }</a:t>
@@ -5069,9 +5448,8 @@
                 <a:spcPts val="900"/>
               </a:spcBef>
               <a:buSzTx/>
-              <a:buFontTx/>
-              <a:buNone/>
-              <a:defRPr sz="2576"/>
+              <a:buNone/>
+              <a:defRPr sz="2500"/>
             </a:pPr>
             <a:r>
               <a:t>    return total;</a:t>
@@ -5083,9 +5461,8 @@
                 <a:spcPts val="900"/>
               </a:spcBef>
               <a:buSzTx/>
-              <a:buFontTx/>
-              <a:buNone/>
-              <a:defRPr sz="2576"/>
+              <a:buNone/>
+              <a:defRPr sz="2500"/>
             </a:pPr>
             <a:r>
               <a:t>}</a:t>
@@ -5097,9 +5474,8 @@
                 <a:spcPts val="900"/>
               </a:spcBef>
               <a:buSzTx/>
-              <a:buFontTx/>
-              <a:buNone/>
-              <a:defRPr sz="2576"/>
+              <a:buNone/>
+              <a:defRPr sz="2500"/>
             </a:pPr>
             <a:r>
               <a:t>var numbers = [1,2,3];</a:t>
@@ -5111,9 +5487,8 @@
                 <a:spcPts val="900"/>
               </a:spcBef>
               <a:buSzTx/>
-              <a:buFontTx/>
-              <a:buNone/>
-              <a:defRPr sz="2576"/>
+              <a:buNone/>
+              <a:defRPr sz="2500"/>
             </a:pPr>
             <a:r>
               <a:t>var sum = sumOfNumbers.apply(null, numbers);</a:t>
@@ -5125,9 +5500,8 @@
                 <a:spcPts val="900"/>
               </a:spcBef>
               <a:buSzTx/>
-              <a:buFontTx/>
-              <a:buNone/>
-              <a:defRPr sz="2576"/>
+              <a:buNone/>
+              <a:defRPr sz="2500"/>
             </a:pPr>
             <a:r>
               <a:t>console.log(sum);</a:t>
@@ -5161,15 +5535,48 @@
           <a:chExt cx="0" cy="0"/>
         </a:xfrm>
       </p:grpSpPr>
+      <p:pic>
+        <p:nvPicPr>
+          <p:cNvPr id="202" name="Google Shape;54;p13" descr="Google Shape;54;p13"/>
+          <p:cNvPicPr>
+            <a:picLocks noChangeAspect="1"/>
+          </p:cNvPicPr>
+          <p:nvPr/>
+        </p:nvPicPr>
+        <p:blipFill>
+          <a:blip r:embed="rId2">
+            <a:extLst/>
+          </a:blip>
+          <a:stretch>
+            <a:fillRect/>
+          </a:stretch>
+        </p:blipFill>
+        <p:spPr>
+          <a:xfrm>
+            <a:off x="0" y="0"/>
+            <a:ext cx="12191997" cy="6858000"/>
+          </a:xfrm>
+          <a:prstGeom prst="rect">
+            <a:avLst/>
+          </a:prstGeom>
+          <a:ln w="12700">
+            <a:miter lim="400000"/>
+          </a:ln>
+        </p:spPr>
+      </p:pic>
       <p:sp>
         <p:nvSpPr>
-          <p:cNvPr id="185" name="Tasks"/>
+          <p:cNvPr id="203" name="Tasks"/>
           <p:cNvSpPr txBox="1"/>
           <p:nvPr>
             <p:ph type="title"/>
           </p:nvPr>
         </p:nvSpPr>
         <p:spPr>
+          <a:xfrm>
+            <a:off x="838200" y="365125"/>
+            <a:ext cx="10515600" cy="1325563"/>
+          </a:xfrm>
           <a:prstGeom prst="rect">
             <a:avLst/>
           </a:prstGeom>
@@ -5187,13 +5594,17 @@
       </p:sp>
       <p:sp>
         <p:nvSpPr>
-          <p:cNvPr id="186" name="function updateZipCode() {…"/>
+          <p:cNvPr id="204" name="function updateZipCode() {…"/>
           <p:cNvSpPr txBox="1"/>
           <p:nvPr>
             <p:ph type="body" idx="1"/>
           </p:nvPr>
         </p:nvSpPr>
         <p:spPr>
+          <a:xfrm>
+            <a:off x="838200" y="1825625"/>
+            <a:ext cx="10515600" cy="4351338"/>
+          </a:xfrm>
           <a:prstGeom prst="rect">
             <a:avLst/>
           </a:prstGeom>
@@ -5204,7 +5615,6 @@
           <a:p>
             <a:pPr marL="0" indent="0">
               <a:buSzTx/>
-              <a:buFontTx/>
               <a:buNone/>
             </a:pPr>
             <a:r>
@@ -5214,7 +5624,6 @@
           <a:p>
             <a:pPr marL="0" indent="0">
               <a:buSzTx/>
-              <a:buFontTx/>
               <a:buNone/>
             </a:pPr>
             <a:r>
@@ -5224,7 +5633,6 @@
           <a:p>
             <a:pPr marL="0" indent="0">
               <a:buSzTx/>
-              <a:buFontTx/>
               <a:buNone/>
             </a:pPr>
             <a:r>
@@ -5234,7 +5642,6 @@
           <a:p>
             <a:pPr marL="0" indent="0">
               <a:buSzTx/>
-              <a:buFontTx/>
               <a:buNone/>
             </a:pPr>
             <a:r>
@@ -5269,15 +5676,48 @@
           <a:chExt cx="0" cy="0"/>
         </a:xfrm>
       </p:grpSpPr>
+      <p:pic>
+        <p:nvPicPr>
+          <p:cNvPr id="206" name="Google Shape;54;p13" descr="Google Shape;54;p13"/>
+          <p:cNvPicPr>
+            <a:picLocks noChangeAspect="1"/>
+          </p:cNvPicPr>
+          <p:nvPr/>
+        </p:nvPicPr>
+        <p:blipFill>
+          <a:blip r:embed="rId2">
+            <a:extLst/>
+          </a:blip>
+          <a:stretch>
+            <a:fillRect/>
+          </a:stretch>
+        </p:blipFill>
+        <p:spPr>
+          <a:xfrm>
+            <a:off x="0" y="0"/>
+            <a:ext cx="12191997" cy="6858000"/>
+          </a:xfrm>
+          <a:prstGeom prst="rect">
+            <a:avLst/>
+          </a:prstGeom>
+          <a:ln w="12700">
+            <a:miter lim="400000"/>
+          </a:ln>
+        </p:spPr>
+      </p:pic>
       <p:sp>
         <p:nvSpPr>
-          <p:cNvPr id="188" name="Tasks"/>
+          <p:cNvPr id="207" name="Tasks"/>
           <p:cNvSpPr txBox="1"/>
           <p:nvPr>
             <p:ph type="title"/>
           </p:nvPr>
         </p:nvSpPr>
         <p:spPr>
+          <a:xfrm>
+            <a:off x="838200" y="365125"/>
+            <a:ext cx="10515600" cy="1325563"/>
+          </a:xfrm>
           <a:prstGeom prst="rect">
             <a:avLst/>
           </a:prstGeom>
@@ -5295,13 +5735,17 @@
       </p:sp>
       <p:sp>
         <p:nvSpPr>
-          <p:cNvPr id="189" name="var updateZipCode = function () {…"/>
+          <p:cNvPr id="208" name="var updateZipCode = function () {…"/>
           <p:cNvSpPr txBox="1"/>
           <p:nvPr>
             <p:ph type="body" idx="1"/>
           </p:nvPr>
         </p:nvSpPr>
         <p:spPr>
+          <a:xfrm>
+            <a:off x="838200" y="1825625"/>
+            <a:ext cx="10515600" cy="4351338"/>
+          </a:xfrm>
           <a:prstGeom prst="rect">
             <a:avLst/>
           </a:prstGeom>
@@ -5312,7 +5756,6 @@
           <a:p>
             <a:pPr marL="0" indent="0">
               <a:buSzTx/>
-              <a:buFontTx/>
               <a:buNone/>
             </a:pPr>
             <a:r>
@@ -5322,7 +5765,6 @@
           <a:p>
             <a:pPr marL="0" indent="0">
               <a:buSzTx/>
-              <a:buFontTx/>
               <a:buNone/>
             </a:pPr>
             <a:r>
@@ -5332,7 +5774,6 @@
           <a:p>
             <a:pPr marL="0" indent="0">
               <a:buSzTx/>
-              <a:buFontTx/>
               <a:buNone/>
             </a:pPr>
             <a:r>
@@ -5342,7 +5783,6 @@
           <a:p>
             <a:pPr marL="0" indent="0">
               <a:buSzTx/>
-              <a:buFontTx/>
               <a:buNone/>
             </a:pPr>
             <a:r>
@@ -5377,15 +5817,48 @@
           <a:chExt cx="0" cy="0"/>
         </a:xfrm>
       </p:grpSpPr>
+      <p:pic>
+        <p:nvPicPr>
+          <p:cNvPr id="210" name="Google Shape;54;p13" descr="Google Shape;54;p13"/>
+          <p:cNvPicPr>
+            <a:picLocks noChangeAspect="1"/>
+          </p:cNvPicPr>
+          <p:nvPr/>
+        </p:nvPicPr>
+        <p:blipFill>
+          <a:blip r:embed="rId2">
+            <a:extLst/>
+          </a:blip>
+          <a:stretch>
+            <a:fillRect/>
+          </a:stretch>
+        </p:blipFill>
+        <p:spPr>
+          <a:xfrm>
+            <a:off x="0" y="0"/>
+            <a:ext cx="12191997" cy="6858000"/>
+          </a:xfrm>
+          <a:prstGeom prst="rect">
+            <a:avLst/>
+          </a:prstGeom>
+          <a:ln w="12700">
+            <a:miter lim="400000"/>
+          </a:ln>
+        </p:spPr>
+      </p:pic>
       <p:sp>
         <p:nvSpPr>
-          <p:cNvPr id="191" name="Tasks"/>
+          <p:cNvPr id="211" name="Tasks"/>
           <p:cNvSpPr txBox="1"/>
           <p:nvPr>
             <p:ph type="title"/>
           </p:nvPr>
         </p:nvSpPr>
         <p:spPr>
+          <a:xfrm>
+            <a:off x="838200" y="365125"/>
+            <a:ext cx="10515600" cy="1325563"/>
+          </a:xfrm>
           <a:prstGeom prst="rect">
             <a:avLst/>
           </a:prstGeom>
@@ -5403,13 +5876,17 @@
       </p:sp>
       <p:sp>
         <p:nvSpPr>
-          <p:cNvPr id="192" name="var updateZipCode = function (newZip, country) {…"/>
+          <p:cNvPr id="212" name="var updateZipCode = function (newZip, country) {…"/>
           <p:cNvSpPr txBox="1"/>
           <p:nvPr>
             <p:ph type="body" idx="1"/>
           </p:nvPr>
         </p:nvSpPr>
         <p:spPr>
+          <a:xfrm>
+            <a:off x="838200" y="1825625"/>
+            <a:ext cx="10515600" cy="4351338"/>
+          </a:xfrm>
           <a:prstGeom prst="rect">
             <a:avLst/>
           </a:prstGeom>
@@ -5420,7 +5897,6 @@
           <a:p>
             <a:pPr marL="0" indent="0">
               <a:buSzTx/>
-              <a:buFontTx/>
               <a:buNone/>
             </a:pPr>
             <a:r>
@@ -5430,7 +5906,6 @@
           <a:p>
             <a:pPr marL="0" indent="0">
               <a:buSzTx/>
-              <a:buFontTx/>
               <a:buNone/>
             </a:pPr>
             <a:r>
@@ -5440,7 +5915,6 @@
           <a:p>
             <a:pPr marL="0" indent="0">
               <a:buSzTx/>
-              <a:buFontTx/>
               <a:buNone/>
             </a:pPr>
             <a:r>
@@ -5450,7 +5924,6 @@
           <a:p>
             <a:pPr marL="0" indent="0">
               <a:buSzTx/>
-              <a:buFontTx/>
               <a:buNone/>
             </a:pPr>
             <a:r>
@@ -5460,7 +5933,6 @@
           <a:p>
             <a:pPr marL="0" indent="0">
               <a:buSzTx/>
-              <a:buFontTx/>
               <a:buNone/>
             </a:pPr>
             <a:r>
@@ -5470,7 +5942,6 @@
           <a:p>
             <a:pPr marL="0" indent="0">
               <a:buSzTx/>
-              <a:buFontTx/>
               <a:buNone/>
             </a:pPr>
             <a:r>
@@ -5480,7 +5951,6 @@
           <a:p>
             <a:pPr marL="0" indent="0">
               <a:buSzTx/>
-              <a:buFontTx/>
               <a:buNone/>
             </a:pPr>
             <a:r>
@@ -5515,15 +5985,48 @@
           <a:chExt cx="0" cy="0"/>
         </a:xfrm>
       </p:grpSpPr>
+      <p:pic>
+        <p:nvPicPr>
+          <p:cNvPr id="214" name="Google Shape;54;p13" descr="Google Shape;54;p13"/>
+          <p:cNvPicPr>
+            <a:picLocks noChangeAspect="1"/>
+          </p:cNvPicPr>
+          <p:nvPr/>
+        </p:nvPicPr>
+        <p:blipFill>
+          <a:blip r:embed="rId2">
+            <a:extLst/>
+          </a:blip>
+          <a:stretch>
+            <a:fillRect/>
+          </a:stretch>
+        </p:blipFill>
+        <p:spPr>
+          <a:xfrm>
+            <a:off x="0" y="0"/>
+            <a:ext cx="12191997" cy="6858000"/>
+          </a:xfrm>
+          <a:prstGeom prst="rect">
+            <a:avLst/>
+          </a:prstGeom>
+          <a:ln w="12700">
+            <a:miter lim="400000"/>
+          </a:ln>
+        </p:spPr>
+      </p:pic>
       <p:sp>
         <p:nvSpPr>
-          <p:cNvPr id="194" name="Tasks"/>
+          <p:cNvPr id="215" name="Tasks"/>
           <p:cNvSpPr txBox="1"/>
           <p:nvPr>
             <p:ph type="title"/>
           </p:nvPr>
         </p:nvSpPr>
         <p:spPr>
+          <a:xfrm>
+            <a:off x="838200" y="365125"/>
+            <a:ext cx="10515600" cy="1325563"/>
+          </a:xfrm>
           <a:prstGeom prst="rect">
             <a:avLst/>
           </a:prstGeom>
@@ -5541,13 +6044,17 @@
       </p:sp>
       <p:sp>
         <p:nvSpPr>
-          <p:cNvPr id="195" name="&quot;use strict&quot;;…"/>
+          <p:cNvPr id="216" name="&quot;use strict&quot;;…"/>
           <p:cNvSpPr txBox="1"/>
           <p:nvPr>
             <p:ph type="body" idx="1"/>
           </p:nvPr>
         </p:nvSpPr>
         <p:spPr>
+          <a:xfrm>
+            <a:off x="838200" y="1825625"/>
+            <a:ext cx="10515600" cy="4351338"/>
+          </a:xfrm>
           <a:prstGeom prst="rect">
             <a:avLst/>
           </a:prstGeom>
@@ -5561,9 +6068,8 @@
                 <a:spcPts val="700"/>
               </a:spcBef>
               <a:buSzTx/>
-              <a:buFontTx/>
-              <a:buNone/>
-              <a:defRPr sz="2128"/>
+              <a:buNone/>
+              <a:defRPr sz="2100"/>
             </a:pPr>
             <a:r>
               <a:t>"use strict";</a:t>
@@ -5575,9 +6081,8 @@
                 <a:spcPts val="700"/>
               </a:spcBef>
               <a:buSzTx/>
-              <a:buFontTx/>
-              <a:buNone/>
-              <a:defRPr sz="2128"/>
+              <a:buNone/>
+              <a:defRPr sz="2100"/>
             </a:pPr>
             <a:r>
               <a:t>var zipcode = {</a:t>
@@ -5589,9 +6094,8 @@
                 <a:spcPts val="700"/>
               </a:spcBef>
               <a:buSzTx/>
-              <a:buFontTx/>
-              <a:buNone/>
-              <a:defRPr sz="2128"/>
+              <a:buNone/>
+              <a:defRPr sz="2100"/>
             </a:pPr>
             <a:r>
               <a:t>    checkZipcode : function() {</a:t>
@@ -5603,9 +6107,8 @@
                 <a:spcPts val="700"/>
               </a:spcBef>
               <a:buSzTx/>
-              <a:buFontTx/>
-              <a:buNone/>
-              <a:defRPr sz="2128"/>
+              <a:buNone/>
+              <a:defRPr sz="2100"/>
             </a:pPr>
             <a:r>
               <a:t>        console.log(this);</a:t>
@@ -5617,9 +6120,8 @@
                 <a:spcPts val="700"/>
               </a:spcBef>
               <a:buSzTx/>
-              <a:buFontTx/>
-              <a:buNone/>
-              <a:defRPr sz="2128"/>
+              <a:buNone/>
+              <a:defRPr sz="2100"/>
             </a:pPr>
             <a:r>
               <a:t>        function updateZipCode() {</a:t>
@@ -5631,9 +6133,8 @@
                 <a:spcPts val="700"/>
               </a:spcBef>
               <a:buSzTx/>
-              <a:buFontTx/>
-              <a:buNone/>
-              <a:defRPr sz="2128"/>
+              <a:buNone/>
+              <a:defRPr sz="2100"/>
             </a:pPr>
             <a:r>
               <a:t>            console.log(this);</a:t>
@@ -5645,9 +6146,8 @@
                 <a:spcPts val="700"/>
               </a:spcBef>
               <a:buSzTx/>
-              <a:buFontTx/>
-              <a:buNone/>
-              <a:defRPr sz="2128"/>
+              <a:buNone/>
+              <a:defRPr sz="2100"/>
             </a:pPr>
             <a:r>
               <a:t>        }</a:t>
@@ -5659,9 +6159,8 @@
                 <a:spcPts val="700"/>
               </a:spcBef>
               <a:buSzTx/>
-              <a:buFontTx/>
-              <a:buNone/>
-              <a:defRPr sz="2128"/>
+              <a:buNone/>
+              <a:defRPr sz="2100"/>
             </a:pPr>
             <a:r>
               <a:t>        updateZipCode.call(this);</a:t>
@@ -5673,9 +6172,8 @@
                 <a:spcPts val="700"/>
               </a:spcBef>
               <a:buSzTx/>
-              <a:buFontTx/>
-              <a:buNone/>
-              <a:defRPr sz="2128"/>
+              <a:buNone/>
+              <a:defRPr sz="2100"/>
             </a:pPr>
             <a:r>
               <a:t>    }</a:t>
@@ -5687,9 +6185,8 @@
                 <a:spcPts val="700"/>
               </a:spcBef>
               <a:buSzTx/>
-              <a:buFontTx/>
-              <a:buNone/>
-              <a:defRPr sz="2128"/>
+              <a:buNone/>
+              <a:defRPr sz="2100"/>
             </a:pPr>
             <a:r>
               <a:t>}</a:t>
@@ -5701,9 +6198,8 @@
                 <a:spcPts val="700"/>
               </a:spcBef>
               <a:buSzTx/>
-              <a:buFontTx/>
-              <a:buNone/>
-              <a:defRPr sz="2128"/>
+              <a:buNone/>
+              <a:defRPr sz="2100"/>
             </a:pPr>
             <a:r>
               <a:t>zipcode.checkZipcode();</a:t>
@@ -5737,15 +6233,48 @@
           <a:chExt cx="0" cy="0"/>
         </a:xfrm>
       </p:grpSpPr>
+      <p:pic>
+        <p:nvPicPr>
+          <p:cNvPr id="218" name="Google Shape;54;p13" descr="Google Shape;54;p13"/>
+          <p:cNvPicPr>
+            <a:picLocks noChangeAspect="1"/>
+          </p:cNvPicPr>
+          <p:nvPr/>
+        </p:nvPicPr>
+        <p:blipFill>
+          <a:blip r:embed="rId2">
+            <a:extLst/>
+          </a:blip>
+          <a:stretch>
+            <a:fillRect/>
+          </a:stretch>
+        </p:blipFill>
+        <p:spPr>
+          <a:xfrm>
+            <a:off x="0" y="0"/>
+            <a:ext cx="12191997" cy="6858000"/>
+          </a:xfrm>
+          <a:prstGeom prst="rect">
+            <a:avLst/>
+          </a:prstGeom>
+          <a:ln w="12700">
+            <a:miter lim="400000"/>
+          </a:ln>
+        </p:spPr>
+      </p:pic>
       <p:sp>
         <p:nvSpPr>
-          <p:cNvPr id="197" name="Tasks"/>
+          <p:cNvPr id="219" name="Tasks"/>
           <p:cNvSpPr txBox="1"/>
           <p:nvPr>
             <p:ph type="title"/>
           </p:nvPr>
         </p:nvSpPr>
         <p:spPr>
+          <a:xfrm>
+            <a:off x="838200" y="365125"/>
+            <a:ext cx="10515600" cy="1325563"/>
+          </a:xfrm>
           <a:prstGeom prst="rect">
             <a:avLst/>
           </a:prstGeom>
@@ -5763,13 +6292,17 @@
       </p:sp>
       <p:sp>
         <p:nvSpPr>
-          <p:cNvPr id="198" name="&quot;use strict&quot;;…"/>
+          <p:cNvPr id="220" name="&quot;use strict&quot;;…"/>
           <p:cNvSpPr txBox="1"/>
           <p:nvPr>
             <p:ph type="body" idx="1"/>
           </p:nvPr>
         </p:nvSpPr>
         <p:spPr>
+          <a:xfrm>
+            <a:off x="838200" y="1825625"/>
+            <a:ext cx="10515600" cy="4351338"/>
+          </a:xfrm>
           <a:prstGeom prst="rect">
             <a:avLst/>
           </a:prstGeom>
@@ -5783,9 +6316,8 @@
                 <a:spcPts val="700"/>
               </a:spcBef>
               <a:buSzTx/>
-              <a:buFontTx/>
-              <a:buNone/>
-              <a:defRPr sz="2128"/>
+              <a:buNone/>
+              <a:defRPr sz="2100"/>
             </a:pPr>
             <a:r>
               <a:t>"use strict";</a:t>
@@ -5797,9 +6329,8 @@
                 <a:spcPts val="700"/>
               </a:spcBef>
               <a:buSzTx/>
-              <a:buFontTx/>
-              <a:buNone/>
-              <a:defRPr sz="2128"/>
+              <a:buNone/>
+              <a:defRPr sz="2100"/>
             </a:pPr>
             <a:r>
               <a:t>var zipcode = {</a:t>
@@ -5811,9 +6342,8 @@
                 <a:spcPts val="700"/>
               </a:spcBef>
               <a:buSzTx/>
-              <a:buFontTx/>
-              <a:buNone/>
-              <a:defRPr sz="2128"/>
+              <a:buNone/>
+              <a:defRPr sz="2100"/>
             </a:pPr>
             <a:r>
               <a:t>    checkZipcode : function() {</a:t>
@@ -5825,9 +6355,8 @@
                 <a:spcPts val="700"/>
               </a:spcBef>
               <a:buSzTx/>
-              <a:buFontTx/>
-              <a:buNone/>
-              <a:defRPr sz="2128"/>
+              <a:buNone/>
+              <a:defRPr sz="2100"/>
             </a:pPr>
             <a:r>
               <a:t>        console.log(this);</a:t>
@@ -5839,9 +6368,8 @@
                 <a:spcPts val="700"/>
               </a:spcBef>
               <a:buSzTx/>
-              <a:buFontTx/>
-              <a:buNone/>
-              <a:defRPr sz="2128"/>
+              <a:buNone/>
+              <a:defRPr sz="2100"/>
             </a:pPr>
             <a:r>
               <a:t>        var updateZipCode = function() {</a:t>
@@ -5853,9 +6381,8 @@
                 <a:spcPts val="700"/>
               </a:spcBef>
               <a:buSzTx/>
-              <a:buFontTx/>
-              <a:buNone/>
-              <a:defRPr sz="2128"/>
+              <a:buNone/>
+              <a:defRPr sz="2100"/>
             </a:pPr>
             <a:r>
               <a:t>            console.log(this);</a:t>
@@ -5867,9 +6394,8 @@
                 <a:spcPts val="700"/>
               </a:spcBef>
               <a:buSzTx/>
-              <a:buFontTx/>
-              <a:buNone/>
-              <a:defRPr sz="2128"/>
+              <a:buNone/>
+              <a:defRPr sz="2100"/>
             </a:pPr>
             <a:r>
               <a:t>        }.bind(this);</a:t>
@@ -5881,9 +6407,8 @@
                 <a:spcPts val="700"/>
               </a:spcBef>
               <a:buSzTx/>
-              <a:buFontTx/>
-              <a:buNone/>
-              <a:defRPr sz="2128"/>
+              <a:buNone/>
+              <a:defRPr sz="2100"/>
             </a:pPr>
             <a:r>
               <a:t>        updateZipCode();</a:t>
@@ -5895,9 +6420,8 @@
                 <a:spcPts val="700"/>
               </a:spcBef>
               <a:buSzTx/>
-              <a:buFontTx/>
-              <a:buNone/>
-              <a:defRPr sz="2128"/>
+              <a:buNone/>
+              <a:defRPr sz="2100"/>
             </a:pPr>
             <a:r>
               <a:t>    }</a:t>
@@ -5909,9 +6433,8 @@
                 <a:spcPts val="700"/>
               </a:spcBef>
               <a:buSzTx/>
-              <a:buFontTx/>
-              <a:buNone/>
-              <a:defRPr sz="2128"/>
+              <a:buNone/>
+              <a:defRPr sz="2100"/>
             </a:pPr>
             <a:r>
               <a:t>}</a:t>
@@ -5923,9 +6446,8 @@
                 <a:spcPts val="700"/>
               </a:spcBef>
               <a:buSzTx/>
-              <a:buFontTx/>
-              <a:buNone/>
-              <a:defRPr sz="2128"/>
+              <a:buNone/>
+              <a:defRPr sz="2100"/>
             </a:pPr>
             <a:r>
               <a:t>zipcode.checkZipcode();</a:t>
@@ -5959,15 +6481,48 @@
           <a:chExt cx="0" cy="0"/>
         </a:xfrm>
       </p:grpSpPr>
+      <p:pic>
+        <p:nvPicPr>
+          <p:cNvPr id="222" name="Google Shape;54;p13" descr="Google Shape;54;p13"/>
+          <p:cNvPicPr>
+            <a:picLocks noChangeAspect="1"/>
+          </p:cNvPicPr>
+          <p:nvPr/>
+        </p:nvPicPr>
+        <p:blipFill>
+          <a:blip r:embed="rId2">
+            <a:extLst/>
+          </a:blip>
+          <a:stretch>
+            <a:fillRect/>
+          </a:stretch>
+        </p:blipFill>
+        <p:spPr>
+          <a:xfrm>
+            <a:off x="0" y="0"/>
+            <a:ext cx="12191997" cy="6858000"/>
+          </a:xfrm>
+          <a:prstGeom prst="rect">
+            <a:avLst/>
+          </a:prstGeom>
+          <a:ln w="12700">
+            <a:miter lim="400000"/>
+          </a:ln>
+        </p:spPr>
+      </p:pic>
       <p:sp>
         <p:nvSpPr>
-          <p:cNvPr id="200" name="Tasks"/>
+          <p:cNvPr id="223" name="Tasks"/>
           <p:cNvSpPr txBox="1"/>
           <p:nvPr>
             <p:ph type="title"/>
           </p:nvPr>
         </p:nvSpPr>
         <p:spPr>
+          <a:xfrm>
+            <a:off x="838200" y="365125"/>
+            <a:ext cx="10515600" cy="1325563"/>
+          </a:xfrm>
           <a:prstGeom prst="rect">
             <a:avLst/>
           </a:prstGeom>
@@ -5985,7 +6540,7 @@
       </p:sp>
       <p:sp>
         <p:nvSpPr>
-          <p:cNvPr id="201" name="&quot;use strict&quot;;…"/>
+          <p:cNvPr id="224" name="&quot;use strict&quot;;…"/>
           <p:cNvSpPr txBox="1"/>
           <p:nvPr>
             <p:ph type="body" idx="1"/>
@@ -5993,8 +6548,8 @@
         </p:nvSpPr>
         <p:spPr>
           <a:xfrm>
-            <a:off x="838200" y="1825625"/>
-            <a:ext cx="10515600" cy="4809878"/>
+            <a:off x="838200" y="1825624"/>
+            <a:ext cx="10515600" cy="4809880"/>
           </a:xfrm>
           <a:prstGeom prst="rect">
             <a:avLst/>
@@ -6004,218 +6559,202 @@
           <a:bodyPr/>
           <a:lstStyle/>
           <a:p>
-            <a:pPr marL="0" indent="0" defTabSz="512063">
+            <a:pPr marL="0" indent="0" defTabSz="512062">
               <a:spcBef>
                 <a:spcPts val="500"/>
               </a:spcBef>
               <a:buSzTx/>
-              <a:buFontTx/>
-              <a:buNone/>
-              <a:defRPr sz="1568"/>
+              <a:buNone/>
+              <a:defRPr sz="1500"/>
             </a:pPr>
             <a:r>
               <a:t>"use strict";</a:t>
             </a:r>
           </a:p>
           <a:p>
-            <a:pPr marL="0" indent="0" defTabSz="512063">
+            <a:pPr marL="0" indent="0" defTabSz="512062">
               <a:spcBef>
                 <a:spcPts val="500"/>
               </a:spcBef>
               <a:buSzTx/>
-              <a:buFontTx/>
-              <a:buNone/>
-              <a:defRPr sz="1568"/>
+              <a:buNone/>
+              <a:defRPr sz="1500"/>
             </a:pPr>
             <a:r>
               <a:t>var person = {</a:t>
             </a:r>
           </a:p>
           <a:p>
-            <a:pPr marL="0" indent="0" defTabSz="512063">
+            <a:pPr marL="0" indent="0" defTabSz="512062">
               <a:spcBef>
                 <a:spcPts val="500"/>
               </a:spcBef>
               <a:buSzTx/>
-              <a:buFontTx/>
-              <a:buNone/>
-              <a:defRPr sz="1568"/>
+              <a:buNone/>
+              <a:defRPr sz="1500"/>
             </a:pPr>
             <a:r>
               <a:t>    name : "Jack",</a:t>
             </a:r>
           </a:p>
           <a:p>
-            <a:pPr marL="0" indent="0" defTabSz="512063">
+            <a:pPr marL="0" indent="0" defTabSz="512062">
               <a:spcBef>
                 <a:spcPts val="500"/>
               </a:spcBef>
               <a:buSzTx/>
-              <a:buFontTx/>
-              <a:buNone/>
-              <a:defRPr sz="1568"/>
+              <a:buNone/>
+              <a:defRPr sz="1500"/>
             </a:pPr>
             <a:r>
               <a:t>    prop : {</a:t>
             </a:r>
           </a:p>
           <a:p>
-            <a:pPr marL="0" indent="0" defTabSz="512063">
+            <a:pPr marL="0" indent="0" defTabSz="512062">
               <a:spcBef>
                 <a:spcPts val="500"/>
               </a:spcBef>
               <a:buSzTx/>
-              <a:buFontTx/>
-              <a:buNone/>
-              <a:defRPr sz="1568"/>
+              <a:buNone/>
+              <a:defRPr sz="1500"/>
             </a:pPr>
             <a:r>
               <a:t>        name : "Daniel",</a:t>
             </a:r>
           </a:p>
           <a:p>
-            <a:pPr marL="0" indent="0" defTabSz="512063">
+            <a:pPr marL="0" indent="0" defTabSz="512062">
               <a:spcBef>
                 <a:spcPts val="500"/>
               </a:spcBef>
               <a:buSzTx/>
-              <a:buFontTx/>
-              <a:buNone/>
-              <a:defRPr sz="1568"/>
+              <a:buNone/>
+              <a:defRPr sz="1500"/>
             </a:pPr>
             <a:r>
               <a:t>        getName : function() {</a:t>
             </a:r>
           </a:p>
           <a:p>
-            <a:pPr marL="0" indent="0" defTabSz="512063">
+            <a:pPr marL="0" indent="0" defTabSz="512062">
               <a:spcBef>
                 <a:spcPts val="500"/>
               </a:spcBef>
               <a:buSzTx/>
-              <a:buFontTx/>
-              <a:buNone/>
-              <a:defRPr sz="1568"/>
+              <a:buNone/>
+              <a:defRPr sz="1500"/>
             </a:pPr>
             <a:r>
               <a:t>            return this.name;</a:t>
             </a:r>
           </a:p>
           <a:p>
-            <a:pPr marL="0" indent="0" defTabSz="512063">
+            <a:pPr marL="0" indent="0" defTabSz="512062">
               <a:spcBef>
                 <a:spcPts val="500"/>
               </a:spcBef>
               <a:buSzTx/>
-              <a:buFontTx/>
-              <a:buNone/>
-              <a:defRPr sz="1568"/>
+              <a:buNone/>
+              <a:defRPr sz="1500"/>
             </a:pPr>
             <a:r>
               <a:t>        }</a:t>
             </a:r>
           </a:p>
           <a:p>
-            <a:pPr marL="0" indent="0" defTabSz="512063">
+            <a:pPr marL="0" indent="0" defTabSz="512062">
               <a:spcBef>
                 <a:spcPts val="500"/>
               </a:spcBef>
               <a:buSzTx/>
-              <a:buFontTx/>
-              <a:buNone/>
-              <a:defRPr sz="1568"/>
+              <a:buNone/>
+              <a:defRPr sz="1500"/>
             </a:pPr>
             <a:r>
               <a:t>    }</a:t>
             </a:r>
           </a:p>
           <a:p>
-            <a:pPr marL="0" indent="0" defTabSz="512063">
+            <a:pPr marL="0" indent="0" defTabSz="512062">
               <a:spcBef>
                 <a:spcPts val="500"/>
               </a:spcBef>
               <a:buSzTx/>
-              <a:buFontTx/>
-              <a:buNone/>
-              <a:defRPr sz="1568"/>
+              <a:buNone/>
+              <a:defRPr sz="1500"/>
             </a:pPr>
             <a:r>
               <a:t>}</a:t>
             </a:r>
           </a:p>
           <a:p>
-            <a:pPr marL="0" indent="0" defTabSz="512063">
+            <a:pPr marL="0" indent="0" defTabSz="512062">
               <a:spcBef>
                 <a:spcPts val="500"/>
               </a:spcBef>
               <a:buSzTx/>
-              <a:buFontTx/>
-              <a:buNone/>
-              <a:defRPr sz="1568"/>
-            </a:pPr>
-          </a:p>
-          <a:p>
-            <a:pPr marL="0" indent="0" defTabSz="512063">
+              <a:buNone/>
+              <a:defRPr sz="1500"/>
+            </a:pPr>
+          </a:p>
+          <a:p>
+            <a:pPr marL="0" indent="0" defTabSz="512062">
               <a:spcBef>
                 <a:spcPts val="500"/>
               </a:spcBef>
               <a:buSzTx/>
-              <a:buFontTx/>
-              <a:buNone/>
-              <a:defRPr sz="1568"/>
+              <a:buNone/>
+              <a:defRPr sz="1500"/>
             </a:pPr>
             <a:r>
               <a:t>var name = person.prop.getName.bind(person);</a:t>
             </a:r>
           </a:p>
           <a:p>
-            <a:pPr marL="0" indent="0" defTabSz="512063">
+            <a:pPr marL="0" indent="0" defTabSz="512062">
               <a:spcBef>
                 <a:spcPts val="500"/>
               </a:spcBef>
               <a:buSzTx/>
-              <a:buFontTx/>
-              <a:buNone/>
-              <a:defRPr sz="1568"/>
+              <a:buNone/>
+              <a:defRPr sz="1500"/>
             </a:pPr>
             <a:r>
               <a:t>console.log(name());</a:t>
             </a:r>
           </a:p>
           <a:p>
-            <a:pPr marL="0" indent="0" defTabSz="512063">
+            <a:pPr marL="0" indent="0" defTabSz="512062">
               <a:spcBef>
                 <a:spcPts val="500"/>
               </a:spcBef>
               <a:buSzTx/>
-              <a:buFontTx/>
-              <a:buNone/>
-              <a:defRPr sz="1568"/>
-            </a:pPr>
-          </a:p>
-          <a:p>
-            <a:pPr marL="0" indent="0" defTabSz="512063">
+              <a:buNone/>
+              <a:defRPr sz="1500"/>
+            </a:pPr>
+          </a:p>
+          <a:p>
+            <a:pPr marL="0" indent="0" defTabSz="512062">
               <a:spcBef>
                 <a:spcPts val="500"/>
               </a:spcBef>
               <a:buSzTx/>
-              <a:buFontTx/>
-              <a:buNone/>
-              <a:defRPr sz="1568"/>
+              <a:buNone/>
+              <a:defRPr sz="1500"/>
             </a:pPr>
             <a:r>
               <a:t>var  name = person.prop.getName();</a:t>
             </a:r>
           </a:p>
           <a:p>
-            <a:pPr marL="0" indent="0" defTabSz="512063">
+            <a:pPr marL="0" indent="0" defTabSz="512062">
               <a:spcBef>
                 <a:spcPts val="500"/>
               </a:spcBef>
               <a:buSzTx/>
-              <a:buFontTx/>
-              <a:buNone/>
-              <a:defRPr sz="1568"/>
+              <a:buNone/>
+              <a:defRPr sz="1500"/>
             </a:pPr>
             <a:r>
               <a:t>console.log(name);</a:t>
@@ -6249,15 +6788,48 @@
           <a:chExt cx="0" cy="0"/>
         </a:xfrm>
       </p:grpSpPr>
+      <p:pic>
+        <p:nvPicPr>
+          <p:cNvPr id="226" name="Google Shape;54;p13" descr="Google Shape;54;p13"/>
+          <p:cNvPicPr>
+            <a:picLocks noChangeAspect="1"/>
+          </p:cNvPicPr>
+          <p:nvPr/>
+        </p:nvPicPr>
+        <p:blipFill>
+          <a:blip r:embed="rId2">
+            <a:extLst/>
+          </a:blip>
+          <a:stretch>
+            <a:fillRect/>
+          </a:stretch>
+        </p:blipFill>
+        <p:spPr>
+          <a:xfrm>
+            <a:off x="0" y="0"/>
+            <a:ext cx="12191997" cy="6858000"/>
+          </a:xfrm>
+          <a:prstGeom prst="rect">
+            <a:avLst/>
+          </a:prstGeom>
+          <a:ln w="12700">
+            <a:miter lim="400000"/>
+          </a:ln>
+        </p:spPr>
+      </p:pic>
       <p:sp>
         <p:nvSpPr>
-          <p:cNvPr id="203" name="Title 1"/>
+          <p:cNvPr id="227" name="Title 1"/>
           <p:cNvSpPr txBox="1"/>
           <p:nvPr>
             <p:ph type="ctrTitle"/>
           </p:nvPr>
         </p:nvSpPr>
         <p:spPr>
+          <a:xfrm>
+            <a:off x="1524000" y="1122362"/>
+            <a:ext cx="9144000" cy="2387601"/>
+          </a:xfrm>
           <a:prstGeom prst="rect">
             <a:avLst/>
           </a:prstGeom>
@@ -6299,15 +6871,48 @@
           <a:chExt cx="0" cy="0"/>
         </a:xfrm>
       </p:grpSpPr>
+      <p:pic>
+        <p:nvPicPr>
+          <p:cNvPr id="108" name="Google Shape;54;p13" descr="Google Shape;54;p13"/>
+          <p:cNvPicPr>
+            <a:picLocks noChangeAspect="1"/>
+          </p:cNvPicPr>
+          <p:nvPr/>
+        </p:nvPicPr>
+        <p:blipFill>
+          <a:blip r:embed="rId2">
+            <a:extLst/>
+          </a:blip>
+          <a:stretch>
+            <a:fillRect/>
+          </a:stretch>
+        </p:blipFill>
+        <p:spPr>
+          <a:xfrm>
+            <a:off x="0" y="0"/>
+            <a:ext cx="12191997" cy="6858000"/>
+          </a:xfrm>
+          <a:prstGeom prst="rect">
+            <a:avLst/>
+          </a:prstGeom>
+          <a:ln w="12700">
+            <a:miter lim="400000"/>
+          </a:ln>
+        </p:spPr>
+      </p:pic>
       <p:sp>
         <p:nvSpPr>
-          <p:cNvPr id="108" name="Execution context"/>
+          <p:cNvPr id="109" name="Execution context"/>
           <p:cNvSpPr txBox="1"/>
           <p:nvPr>
             <p:ph type="title"/>
           </p:nvPr>
         </p:nvSpPr>
         <p:spPr>
+          <a:xfrm>
+            <a:off x="838200" y="365125"/>
+            <a:ext cx="10515600" cy="1325563"/>
+          </a:xfrm>
           <a:prstGeom prst="rect">
             <a:avLst/>
           </a:prstGeom>
@@ -6325,13 +6930,17 @@
       </p:sp>
       <p:sp>
         <p:nvSpPr>
-          <p:cNvPr id="109" name="Global…"/>
+          <p:cNvPr id="110" name="Global…"/>
           <p:cNvSpPr txBox="1"/>
           <p:nvPr>
             <p:ph type="body" idx="1"/>
           </p:nvPr>
         </p:nvSpPr>
         <p:spPr>
+          <a:xfrm>
+            <a:off x="838200" y="1825625"/>
+            <a:ext cx="10515600" cy="4351338"/>
+          </a:xfrm>
           <a:prstGeom prst="rect">
             <a:avLst/>
           </a:prstGeom>
@@ -6385,15 +6994,48 @@
           <a:chExt cx="0" cy="0"/>
         </a:xfrm>
       </p:grpSpPr>
+      <p:pic>
+        <p:nvPicPr>
+          <p:cNvPr id="112" name="Google Shape;54;p13" descr="Google Shape;54;p13"/>
+          <p:cNvPicPr>
+            <a:picLocks noChangeAspect="1"/>
+          </p:cNvPicPr>
+          <p:nvPr/>
+        </p:nvPicPr>
+        <p:blipFill>
+          <a:blip r:embed="rId2">
+            <a:extLst/>
+          </a:blip>
+          <a:stretch>
+            <a:fillRect/>
+          </a:stretch>
+        </p:blipFill>
+        <p:spPr>
+          <a:xfrm>
+            <a:off x="0" y="0"/>
+            <a:ext cx="12191997" cy="6858000"/>
+          </a:xfrm>
+          <a:prstGeom prst="rect">
+            <a:avLst/>
+          </a:prstGeom>
+          <a:ln w="12700">
+            <a:miter lim="400000"/>
+          </a:ln>
+        </p:spPr>
+      </p:pic>
       <p:sp>
         <p:nvSpPr>
-          <p:cNvPr id="111" name="Global Context"/>
+          <p:cNvPr id="113" name="Global Context"/>
           <p:cNvSpPr txBox="1"/>
           <p:nvPr>
             <p:ph type="title"/>
           </p:nvPr>
         </p:nvSpPr>
         <p:spPr>
+          <a:xfrm>
+            <a:off x="838200" y="365125"/>
+            <a:ext cx="10515600" cy="1325563"/>
+          </a:xfrm>
           <a:prstGeom prst="rect">
             <a:avLst/>
           </a:prstGeom>
@@ -6411,13 +7053,17 @@
       </p:sp>
       <p:sp>
         <p:nvSpPr>
-          <p:cNvPr id="112" name="// In web browsers, the window object is also the global object:…"/>
+          <p:cNvPr id="114" name="// In web browsers, the window object is also the global object:…"/>
           <p:cNvSpPr txBox="1"/>
           <p:nvPr>
             <p:ph type="body" idx="1"/>
           </p:nvPr>
         </p:nvSpPr>
         <p:spPr>
+          <a:xfrm>
+            <a:off x="838200" y="1825625"/>
+            <a:ext cx="10515600" cy="4351338"/>
+          </a:xfrm>
           <a:prstGeom prst="rect">
             <a:avLst/>
           </a:prstGeom>
@@ -6431,9 +7077,8 @@
                 <a:spcPts val="900"/>
               </a:spcBef>
               <a:buSzTx/>
-              <a:buFontTx/>
-              <a:buNone/>
-              <a:defRPr sz="2576"/>
+              <a:buNone/>
+              <a:defRPr sz="2500"/>
             </a:pPr>
             <a:r>
               <a:t>// In web browsers, the window object is also the global object:</a:t>
@@ -6445,9 +7090,8 @@
                 <a:spcPts val="900"/>
               </a:spcBef>
               <a:buSzTx/>
-              <a:buFontTx/>
-              <a:buNone/>
-              <a:defRPr sz="2576"/>
+              <a:buNone/>
+              <a:defRPr sz="2500"/>
             </a:pPr>
             <a:r>
               <a:t>console.log(this === window); // true</a:t>
@@ -6459,9 +7103,8 @@
                 <a:spcPts val="900"/>
               </a:spcBef>
               <a:buSzTx/>
-              <a:buFontTx/>
-              <a:buNone/>
-              <a:defRPr sz="2576"/>
+              <a:buNone/>
+              <a:defRPr sz="2500"/>
             </a:pPr>
           </a:p>
           <a:p>
@@ -6470,12 +7113,11 @@
                 <a:spcPts val="900"/>
               </a:spcBef>
               <a:buSzTx/>
-              <a:buFontTx/>
-              <a:buNone/>
-              <a:defRPr sz="2576"/>
-            </a:pPr>
-            <a:r>
-              <a:t>a = 37;</a:t>
+              <a:buNone/>
+              <a:defRPr sz="2500"/>
+            </a:pPr>
+            <a:r>
+              <a:t>a = 3;</a:t>
             </a:r>
           </a:p>
           <a:p>
@@ -6484,12 +7126,11 @@
                 <a:spcPts val="900"/>
               </a:spcBef>
               <a:buSzTx/>
-              <a:buFontTx/>
-              <a:buNone/>
-              <a:defRPr sz="2576"/>
-            </a:pPr>
-            <a:r>
-              <a:t>console.log(window.a); // 37</a:t>
+              <a:buNone/>
+              <a:defRPr sz="2500"/>
+            </a:pPr>
+            <a:r>
+              <a:t>console.log(window.a); // 3</a:t>
             </a:r>
           </a:p>
           <a:p>
@@ -6498,9 +7139,8 @@
                 <a:spcPts val="900"/>
               </a:spcBef>
               <a:buSzTx/>
-              <a:buFontTx/>
-              <a:buNone/>
-              <a:defRPr sz="2576"/>
+              <a:buNone/>
+              <a:defRPr sz="2500"/>
             </a:pPr>
           </a:p>
           <a:p>
@@ -6509,12 +7149,11 @@
                 <a:spcPts val="900"/>
               </a:spcBef>
               <a:buSzTx/>
-              <a:buFontTx/>
-              <a:buNone/>
-              <a:defRPr sz="2576"/>
-            </a:pPr>
-            <a:r>
-              <a:t>this.b = "MDN";</a:t>
+              <a:buNone/>
+              <a:defRPr sz="2500"/>
+            </a:pPr>
+            <a:r>
+              <a:t>this.b = "GUVI";</a:t>
             </a:r>
           </a:p>
           <a:p>
@@ -6523,12 +7162,11 @@
                 <a:spcPts val="900"/>
               </a:spcBef>
               <a:buSzTx/>
-              <a:buFontTx/>
-              <a:buNone/>
-              <a:defRPr sz="2576"/>
-            </a:pPr>
-            <a:r>
-              <a:t>console.log(window.b)  // "MDN"</a:t>
+              <a:buNone/>
+              <a:defRPr sz="2500"/>
+            </a:pPr>
+            <a:r>
+              <a:t>console.log(window.b)  // "GUVI"</a:t>
             </a:r>
           </a:p>
           <a:p>
@@ -6537,12 +7175,11 @@
                 <a:spcPts val="900"/>
               </a:spcBef>
               <a:buSzTx/>
-              <a:buFontTx/>
-              <a:buNone/>
-              <a:defRPr sz="2576"/>
-            </a:pPr>
-            <a:r>
-              <a:t>console.log(b)         // "MDN"</a:t>
+              <a:buNone/>
+              <a:defRPr sz="2500"/>
+            </a:pPr>
+            <a:r>
+              <a:t>console.log(b)         // “GUVI"</a:t>
             </a:r>
           </a:p>
         </p:txBody>
@@ -6573,15 +7210,48 @@
           <a:chExt cx="0" cy="0"/>
         </a:xfrm>
       </p:grpSpPr>
+      <p:pic>
+        <p:nvPicPr>
+          <p:cNvPr id="116" name="Google Shape;54;p13" descr="Google Shape;54;p13"/>
+          <p:cNvPicPr>
+            <a:picLocks noChangeAspect="1"/>
+          </p:cNvPicPr>
+          <p:nvPr/>
+        </p:nvPicPr>
+        <p:blipFill>
+          <a:blip r:embed="rId2">
+            <a:extLst/>
+          </a:blip>
+          <a:stretch>
+            <a:fillRect/>
+          </a:stretch>
+        </p:blipFill>
+        <p:spPr>
+          <a:xfrm>
+            <a:off x="0" y="0"/>
+            <a:ext cx="12191997" cy="6858000"/>
+          </a:xfrm>
+          <a:prstGeom prst="rect">
+            <a:avLst/>
+          </a:prstGeom>
+          <a:ln w="12700">
+            <a:miter lim="400000"/>
+          </a:ln>
+        </p:spPr>
+      </p:pic>
       <p:sp>
         <p:nvSpPr>
-          <p:cNvPr id="114" name="Default - Non-Strict"/>
+          <p:cNvPr id="117" name="Default - Non-Strict"/>
           <p:cNvSpPr txBox="1"/>
           <p:nvPr>
             <p:ph type="title"/>
           </p:nvPr>
         </p:nvSpPr>
         <p:spPr>
+          <a:xfrm>
+            <a:off x="838200" y="365125"/>
+            <a:ext cx="10515600" cy="1325563"/>
+          </a:xfrm>
           <a:prstGeom prst="rect">
             <a:avLst/>
           </a:prstGeom>
@@ -6599,13 +7269,17 @@
       </p:sp>
       <p:sp>
         <p:nvSpPr>
-          <p:cNvPr id="115" name="function f1() {…"/>
+          <p:cNvPr id="118" name="function f1() {…"/>
           <p:cNvSpPr txBox="1"/>
           <p:nvPr>
             <p:ph type="body" idx="1"/>
           </p:nvPr>
         </p:nvSpPr>
         <p:spPr>
+          <a:xfrm>
+            <a:off x="838200" y="1825625"/>
+            <a:ext cx="10515600" cy="4351338"/>
+          </a:xfrm>
           <a:prstGeom prst="rect">
             <a:avLst/>
           </a:prstGeom>
@@ -6619,9 +7293,8 @@
                 <a:spcPts val="700"/>
               </a:spcBef>
               <a:buSzTx/>
-              <a:buFontTx/>
-              <a:buNone/>
-              <a:defRPr sz="2128"/>
+              <a:buNone/>
+              <a:defRPr sz="2100"/>
             </a:pPr>
             <a:r>
               <a:t>function f1() {</a:t>
@@ -6633,9 +7306,8 @@
                 <a:spcPts val="700"/>
               </a:spcBef>
               <a:buSzTx/>
-              <a:buFontTx/>
-              <a:buNone/>
-              <a:defRPr sz="2128"/>
+              <a:buNone/>
+              <a:defRPr sz="2100"/>
             </a:pPr>
             <a:r>
               <a:t>  return this;</a:t>
@@ -6647,9 +7319,8 @@
                 <a:spcPts val="700"/>
               </a:spcBef>
               <a:buSzTx/>
-              <a:buFontTx/>
-              <a:buNone/>
-              <a:defRPr sz="2128"/>
+              <a:buNone/>
+              <a:defRPr sz="2100"/>
             </a:pPr>
             <a:r>
               <a:t>}</a:t>
@@ -6661,9 +7332,8 @@
                 <a:spcPts val="700"/>
               </a:spcBef>
               <a:buSzTx/>
-              <a:buFontTx/>
-              <a:buNone/>
-              <a:defRPr sz="2128"/>
+              <a:buNone/>
+              <a:defRPr sz="2100"/>
             </a:pPr>
           </a:p>
           <a:p>
@@ -6672,9 +7342,8 @@
                 <a:spcPts val="700"/>
               </a:spcBef>
               <a:buSzTx/>
-              <a:buFontTx/>
-              <a:buNone/>
-              <a:defRPr sz="2128"/>
+              <a:buNone/>
+              <a:defRPr sz="2100"/>
             </a:pPr>
             <a:r>
               <a:t>// In a browser:</a:t>
@@ -6686,9 +7355,8 @@
                 <a:spcPts val="700"/>
               </a:spcBef>
               <a:buSzTx/>
-              <a:buFontTx/>
-              <a:buNone/>
-              <a:defRPr sz="2128"/>
+              <a:buNone/>
+              <a:defRPr sz="2100"/>
             </a:pPr>
             <a:r>
               <a:t>f1() === window; // true</a:t>
@@ -6700,9 +7368,8 @@
                 <a:spcPts val="700"/>
               </a:spcBef>
               <a:buSzTx/>
-              <a:buFontTx/>
-              <a:buNone/>
-              <a:defRPr sz="2128"/>
+              <a:buNone/>
+              <a:defRPr sz="2100"/>
             </a:pPr>
           </a:p>
           <a:p>
@@ -6711,9 +7378,8 @@
                 <a:spcPts val="700"/>
               </a:spcBef>
               <a:buSzTx/>
-              <a:buFontTx/>
-              <a:buNone/>
-              <a:defRPr sz="2128"/>
+              <a:buNone/>
+              <a:defRPr sz="2100"/>
             </a:pPr>
             <a:r>
               <a:t>// In Node:</a:t>
@@ -6725,24 +7391,12 @@
                 <a:spcPts val="700"/>
               </a:spcBef>
               <a:buSzTx/>
-              <a:buFontTx/>
-              <a:buNone/>
-              <a:defRPr sz="2128"/>
+              <a:buNone/>
+              <a:defRPr sz="2100"/>
             </a:pPr>
             <a:r>
               <a:t>f1() === global; // true</a:t>
             </a:r>
-          </a:p>
-          <a:p>
-            <a:pPr marL="0" indent="0" defTabSz="694944">
-              <a:spcBef>
-                <a:spcPts val="700"/>
-              </a:spcBef>
-              <a:buSzTx/>
-              <a:buFontTx/>
-              <a:buNone/>
-              <a:defRPr sz="2128"/>
-            </a:pPr>
           </a:p>
         </p:txBody>
       </p:sp>
@@ -6772,15 +7426,48 @@
           <a:chExt cx="0" cy="0"/>
         </a:xfrm>
       </p:grpSpPr>
+      <p:pic>
+        <p:nvPicPr>
+          <p:cNvPr id="120" name="Google Shape;54;p13" descr="Google Shape;54;p13"/>
+          <p:cNvPicPr>
+            <a:picLocks noChangeAspect="1"/>
+          </p:cNvPicPr>
+          <p:nvPr/>
+        </p:nvPicPr>
+        <p:blipFill>
+          <a:blip r:embed="rId2">
+            <a:extLst/>
+          </a:blip>
+          <a:stretch>
+            <a:fillRect/>
+          </a:stretch>
+        </p:blipFill>
+        <p:spPr>
+          <a:xfrm>
+            <a:off x="0" y="0"/>
+            <a:ext cx="12191997" cy="6858000"/>
+          </a:xfrm>
+          <a:prstGeom prst="rect">
+            <a:avLst/>
+          </a:prstGeom>
+          <a:ln w="12700">
+            <a:miter lim="400000"/>
+          </a:ln>
+        </p:spPr>
+      </p:pic>
       <p:sp>
         <p:nvSpPr>
-          <p:cNvPr id="117" name="Strict Mode"/>
+          <p:cNvPr id="121" name="Strict Mode"/>
           <p:cNvSpPr txBox="1"/>
           <p:nvPr>
             <p:ph type="title"/>
           </p:nvPr>
         </p:nvSpPr>
         <p:spPr>
+          <a:xfrm>
+            <a:off x="838200" y="365125"/>
+            <a:ext cx="10515600" cy="1325563"/>
+          </a:xfrm>
           <a:prstGeom prst="rect">
             <a:avLst/>
           </a:prstGeom>
@@ -6798,13 +7485,17 @@
       </p:sp>
       <p:sp>
         <p:nvSpPr>
-          <p:cNvPr id="118" name="function f2() {…"/>
+          <p:cNvPr id="122" name="function f2() {…"/>
           <p:cNvSpPr txBox="1"/>
           <p:nvPr>
             <p:ph type="body" idx="1"/>
           </p:nvPr>
         </p:nvSpPr>
         <p:spPr>
+          <a:xfrm>
+            <a:off x="838200" y="1825625"/>
+            <a:ext cx="10515600" cy="4351338"/>
+          </a:xfrm>
           <a:prstGeom prst="rect">
             <a:avLst/>
           </a:prstGeom>
@@ -6815,7 +7506,6 @@
           <a:p>
             <a:pPr marL="0" indent="0">
               <a:buSzTx/>
-              <a:buFontTx/>
               <a:buNone/>
             </a:pPr>
             <a:r>
@@ -6825,7 +7515,6 @@
           <a:p>
             <a:pPr marL="0" indent="0">
               <a:buSzTx/>
-              <a:buFontTx/>
               <a:buNone/>
             </a:pPr>
             <a:r>
@@ -6835,7 +7524,6 @@
           <a:p>
             <a:pPr marL="0" indent="0">
               <a:buSzTx/>
-              <a:buFontTx/>
               <a:buNone/>
             </a:pPr>
             <a:r>
@@ -6845,7 +7533,6 @@
           <a:p>
             <a:pPr marL="0" indent="0">
               <a:buSzTx/>
-              <a:buFontTx/>
               <a:buNone/>
             </a:pPr>
             <a:r>
@@ -6855,14 +7542,12 @@
           <a:p>
             <a:pPr marL="0" indent="0">
               <a:buSzTx/>
-              <a:buFontTx/>
               <a:buNone/>
             </a:pPr>
           </a:p>
           <a:p>
             <a:pPr marL="0" indent="0">
               <a:buSzTx/>
-              <a:buFontTx/>
               <a:buNone/>
             </a:pPr>
             <a:r>
@@ -6897,9 +7582,38 @@
           <a:chExt cx="0" cy="0"/>
         </a:xfrm>
       </p:grpSpPr>
+      <p:pic>
+        <p:nvPicPr>
+          <p:cNvPr id="124" name="Google Shape;54;p13" descr="Google Shape;54;p13"/>
+          <p:cNvPicPr>
+            <a:picLocks noChangeAspect="1"/>
+          </p:cNvPicPr>
+          <p:nvPr/>
+        </p:nvPicPr>
+        <p:blipFill>
+          <a:blip r:embed="rId2">
+            <a:extLst/>
+          </a:blip>
+          <a:stretch>
+            <a:fillRect/>
+          </a:stretch>
+        </p:blipFill>
+        <p:spPr>
+          <a:xfrm>
+            <a:off x="0" y="0"/>
+            <a:ext cx="12191997" cy="6858000"/>
+          </a:xfrm>
+          <a:prstGeom prst="rect">
+            <a:avLst/>
+          </a:prstGeom>
+          <a:ln w="12700">
+            <a:miter lim="400000"/>
+          </a:ln>
+        </p:spPr>
+      </p:pic>
       <p:sp>
         <p:nvSpPr>
-          <p:cNvPr id="120" name="Title 1"/>
+          <p:cNvPr id="125" name="Title 1"/>
           <p:cNvSpPr txBox="1"/>
           <p:nvPr>
             <p:ph type="title"/>
@@ -6927,35 +7641,36 @@
       </p:sp>
       <p:grpSp>
         <p:nvGrpSpPr>
-          <p:cNvPr id="123" name="Rectangle 3"/>
+          <p:cNvPr id="128" name="Rectangle 3"/>
           <p:cNvGrpSpPr/>
           <p:nvPr/>
         </p:nvGrpSpPr>
         <p:grpSpPr>
           <a:xfrm>
-            <a:off x="428034" y="2291154"/>
-            <a:ext cx="5026611" cy="2238089"/>
+            <a:off x="428033" y="2291153"/>
+            <a:ext cx="5026614" cy="2238091"/>
             <a:chOff x="0" y="0"/>
-            <a:chExt cx="5026610" cy="2238087"/>
+            <a:chExt cx="5026612" cy="2238089"/>
           </a:xfrm>
         </p:grpSpPr>
         <p:sp>
           <p:nvSpPr>
-            <p:cNvPr id="122" name="Rectangle 3"/>
+            <p:cNvPr id="126" name="Rectangle 3"/>
             <p:cNvSpPr txBox="1"/>
             <p:nvPr/>
           </p:nvSpPr>
           <p:spPr>
             <a:xfrm>
-              <a:off x="38100" y="38100"/>
-              <a:ext cx="4950411" cy="2161888"/>
+              <a:off x="38099" y="38100"/>
+              <a:ext cx="4950414" cy="2085686"/>
             </a:xfrm>
             <a:prstGeom prst="rect">
               <a:avLst/>
             </a:prstGeom>
             <a:noFill/>
-            <a:ln>
+            <a:ln w="12700" cap="flat">
               <a:noFill/>
+              <a:miter lim="400000"/>
             </a:ln>
             <a:effectLst/>
             <a:extLst>
@@ -6965,7 +7680,7 @@
             </a:extLst>
           </p:spPr>
           <p:txBody>
-            <a:bodyPr wrap="square" lIns="45719" tIns="45719" rIns="45719" bIns="45719" numCol="1" anchor="t">
+            <a:bodyPr wrap="square" lIns="45718" tIns="45718" rIns="45718" bIns="45718" numCol="1" anchor="t">
               <a:spAutoFit/>
             </a:bodyPr>
             <a:lstStyle/>
@@ -7015,14 +7730,14 @@
         </p:sp>
         <p:pic>
           <p:nvPicPr>
-            <p:cNvPr id="121" name="Rectangle 3 const person = {&#10;  firstName: 'John',&#10;  lastName: 'Doe',&#10;  printName: function() {&#10;    console.log(this.firstName + ' ' + this.lastName);&#10;  }&#10;};" descr="Rectangle 3 const person = {  firstName: 'John',  lastName: 'Doe',  printName: function() {    console.log(this.firstName + ' ' + this.lastName);  }};"/>
+            <p:cNvPr id="127" name="Rectangle 3 const person = {&#10;  firstName: 'John',&#10;  lastName: 'Doe',&#10;  printName: function() {&#10;    console.log(this.firstName + ' ' + this.lastName);&#10;  }&#10;};" descr="Rectangle 3 const person = {  firstName: 'John',  lastName: 'Doe',  printName: function() {    console.log(this.firstName + ' ' + this.lastName);  }};"/>
             <p:cNvPicPr>
-              <a:picLocks noChangeAspect="0"/>
+              <a:picLocks noChangeAspect="1"/>
             </p:cNvPicPr>
             <p:nvPr/>
           </p:nvPicPr>
           <p:blipFill>
-            <a:blip r:embed="rId2">
+            <a:blip r:embed="rId3">
               <a:extLst/>
             </a:blip>
             <a:stretch>
@@ -7031,26 +7746,30 @@
           </p:blipFill>
           <p:spPr>
             <a:xfrm>
-              <a:off x="0" y="0"/>
-              <a:ext cx="5026611" cy="2238088"/>
+              <a:off x="-1" y="0"/>
+              <a:ext cx="5026614" cy="2238090"/>
             </a:xfrm>
             <a:prstGeom prst="rect">
               <a:avLst/>
             </a:prstGeom>
+            <a:ln w="12700" cap="flat">
+              <a:noFill/>
+              <a:miter lim="400000"/>
+            </a:ln>
             <a:effectLst/>
           </p:spPr>
         </p:pic>
       </p:grpSp>
       <p:sp>
         <p:nvSpPr>
-          <p:cNvPr id="124" name="Rectangle 4"/>
+          <p:cNvPr id="129" name="Rectangle 4"/>
           <p:cNvSpPr txBox="1"/>
           <p:nvPr/>
         </p:nvSpPr>
         <p:spPr>
           <a:xfrm>
-            <a:off x="466133" y="4999147"/>
-            <a:ext cx="2001588" cy="333088"/>
+            <a:off x="466132" y="4999148"/>
+            <a:ext cx="2001586" cy="333086"/>
           </a:xfrm>
           <a:prstGeom prst="rect">
             <a:avLst/>
@@ -7065,7 +7784,7 @@
           </a:extLst>
         </p:spPr>
         <p:txBody>
-          <a:bodyPr wrap="none" lIns="45719" rIns="45719">
+          <a:bodyPr wrap="none" lIns="45718" tIns="45718" rIns="45718" bIns="45718">
             <a:spAutoFit/>
           </a:bodyPr>
           <a:lstStyle/>
@@ -7079,14 +7798,14 @@
       </p:sp>
       <p:sp>
         <p:nvSpPr>
-          <p:cNvPr id="125" name="Rectangle 5"/>
+          <p:cNvPr id="130" name="Rectangle 5"/>
           <p:cNvSpPr txBox="1"/>
           <p:nvPr/>
         </p:nvSpPr>
         <p:spPr>
           <a:xfrm>
-            <a:off x="557893" y="5822379"/>
-            <a:ext cx="964405" cy="333089"/>
+            <a:off x="557892" y="5822380"/>
+            <a:ext cx="964403" cy="333086"/>
           </a:xfrm>
           <a:prstGeom prst="rect">
             <a:avLst/>
@@ -7101,7 +7820,7 @@
           </a:extLst>
         </p:spPr>
         <p:txBody>
-          <a:bodyPr wrap="none" lIns="45719" rIns="45719">
+          <a:bodyPr wrap="none" lIns="45718" tIns="45718" rIns="45718" bIns="45718">
             <a:spAutoFit/>
           </a:bodyPr>
           <a:lstStyle/>
@@ -7115,14 +7834,14 @@
       </p:sp>
       <p:sp>
         <p:nvSpPr>
-          <p:cNvPr id="126" name="Rectangle 6"/>
+          <p:cNvPr id="131" name="Rectangle 6"/>
           <p:cNvSpPr txBox="1"/>
           <p:nvPr/>
         </p:nvSpPr>
         <p:spPr>
           <a:xfrm>
-            <a:off x="8173719" y="3443940"/>
-            <a:ext cx="6004562" cy="625188"/>
+            <a:off x="8173718" y="3443941"/>
+            <a:ext cx="6004563" cy="625186"/>
           </a:xfrm>
           <a:prstGeom prst="rect">
             <a:avLst/>
@@ -7137,7 +7856,7 @@
           </a:extLst>
         </p:spPr>
         <p:txBody>
-          <a:bodyPr lIns="45719" rIns="45719">
+          <a:bodyPr lIns="45718" tIns="45718" rIns="45718" bIns="45718">
             <a:spAutoFit/>
           </a:bodyPr>
           <a:lstStyle/>
@@ -7157,14 +7876,14 @@
       </p:sp>
       <p:sp>
         <p:nvSpPr>
-          <p:cNvPr id="127" name="Rectangle 7"/>
+          <p:cNvPr id="132" name="Rectangle 7"/>
           <p:cNvSpPr txBox="1"/>
           <p:nvPr/>
         </p:nvSpPr>
         <p:spPr>
           <a:xfrm>
-            <a:off x="8312346" y="4476179"/>
-            <a:ext cx="2052264" cy="333089"/>
+            <a:off x="8312346" y="4476180"/>
+            <a:ext cx="2052262" cy="333086"/>
           </a:xfrm>
           <a:prstGeom prst="rect">
             <a:avLst/>
@@ -7179,7 +7898,7 @@
           </a:extLst>
         </p:spPr>
         <p:txBody>
-          <a:bodyPr wrap="none" lIns="45719" rIns="45719">
+          <a:bodyPr wrap="none" lIns="45718" tIns="45718" rIns="45718" bIns="45718">
             <a:spAutoFit/>
           </a:bodyPr>
           <a:lstStyle/>
@@ -7193,14 +7912,14 @@
       </p:sp>
       <p:sp>
         <p:nvSpPr>
-          <p:cNvPr id="128" name="printName: function() {…"/>
+          <p:cNvPr id="133" name="printName: function() {…"/>
           <p:cNvSpPr txBox="1"/>
           <p:nvPr/>
         </p:nvSpPr>
         <p:spPr>
           <a:xfrm>
-            <a:off x="8646264" y="1389206"/>
-            <a:ext cx="3462497" cy="1514188"/>
+            <a:off x="8646263" y="1389205"/>
+            <a:ext cx="3462498" cy="1514187"/>
           </a:xfrm>
           <a:prstGeom prst="rect">
             <a:avLst/>
@@ -7221,7 +7940,7 @@
           </a:extLst>
         </p:spPr>
         <p:txBody>
-          <a:bodyPr lIns="45719" rIns="45719">
+          <a:bodyPr lIns="45718" tIns="45718" rIns="45718" bIns="45718">
             <a:spAutoFit/>
           </a:bodyPr>
           <a:lstStyle/>
@@ -7253,14 +7972,14 @@
       </p:sp>
       <p:sp>
         <p:nvSpPr>
-          <p:cNvPr id="129" name="printFullName"/>
+          <p:cNvPr id="134" name="printFullName"/>
           <p:cNvSpPr txBox="1"/>
           <p:nvPr/>
         </p:nvSpPr>
         <p:spPr>
           <a:xfrm>
-            <a:off x="9290379" y="633556"/>
-            <a:ext cx="1434442" cy="333088"/>
+            <a:off x="9290378" y="633556"/>
+            <a:ext cx="1434439" cy="333087"/>
           </a:xfrm>
           <a:prstGeom prst="rect">
             <a:avLst/>
@@ -7275,7 +7994,7 @@
           </a:extLst>
         </p:spPr>
         <p:txBody>
-          <a:bodyPr wrap="none" lIns="45719" rIns="45719">
+          <a:bodyPr wrap="none" lIns="45718" tIns="45718" rIns="45718" bIns="45718">
             <a:spAutoFit/>
           </a:bodyPr>
           <a:lstStyle/>
@@ -7289,68 +8008,9 @@
       </p:sp>
       <p:pic>
         <p:nvPicPr>
-          <p:cNvPr id="130" name="Line Line" descr="Line Line"/>
+          <p:cNvPr id="135" name="Line Line" descr="Line Line"/>
           <p:cNvPicPr>
-            <a:picLocks noChangeAspect="0"/>
-          </p:cNvPicPr>
-          <p:nvPr/>
-        </p:nvPicPr>
-        <p:blipFill>
-          <a:blip r:embed="rId3">
-            <a:extLst/>
-          </a:blip>
-          <a:stretch>
-            <a:fillRect/>
-          </a:stretch>
-        </p:blipFill>
-        <p:spPr>
-          <a:xfrm rot="20353116">
-            <a:off x="4842170" y="2583880"/>
-            <a:ext cx="3802482" cy="457905"/>
-          </a:xfrm>
-          <a:prstGeom prst="rect">
-            <a:avLst/>
-          </a:prstGeom>
-        </p:spPr>
-      </p:pic>
-      <p:sp>
-        <p:nvSpPr>
-          <p:cNvPr id="132" name="Line"/>
-          <p:cNvSpPr/>
-          <p:nvPr/>
-        </p:nvSpPr>
-        <p:spPr>
-          <a:xfrm>
-            <a:off x="9602328" y="982330"/>
-            <a:ext cx="1" cy="333088"/>
-          </a:xfrm>
-          <a:prstGeom prst="line">
-            <a:avLst/>
-          </a:prstGeom>
-          <a:ln w="12700">
-            <a:solidFill>
-              <a:schemeClr val="accent1"/>
-            </a:solidFill>
-            <a:custDash>
-              <a:ds d="600000" sp="600000"/>
-            </a:custDash>
-            <a:miter lim="400000"/>
-            <a:tailEnd type="triangle"/>
-          </a:ln>
-        </p:spPr>
-        <p:txBody>
-          <a:bodyPr lIns="45719" rIns="45719"/>
-          <a:lstStyle/>
-          <a:p>
-            <a:pPr/>
-          </a:p>
-        </p:txBody>
-      </p:sp>
-      <p:pic>
-        <p:nvPicPr>
-          <p:cNvPr id="135" name="Connection Line" descr="Connection Line"/>
-          <p:cNvPicPr>
-            <a:picLocks noChangeAspect="0"/>
+            <a:picLocks noChangeAspect="1"/>
           </p:cNvPicPr>
           <p:nvPr/>
         </p:nvPicPr>
@@ -7363,25 +8023,90 @@
           </a:stretch>
         </p:blipFill>
         <p:spPr>
-          <a:xfrm>
-            <a:off x="2252298" y="2570571"/>
-            <a:ext cx="1035308" cy="877728"/>
-          </a:xfrm>
-          <a:prstGeom prst="rect">
-            <a:avLst/>
-          </a:prstGeom>
+          <a:xfrm rot="20353116">
+            <a:off x="4842169" y="2583880"/>
+            <a:ext cx="3802483" cy="457906"/>
+          </a:xfrm>
+          <a:prstGeom prst="rect">
+            <a:avLst/>
+          </a:prstGeom>
+          <a:ln w="12700">
+            <a:miter lim="400000"/>
+          </a:ln>
         </p:spPr>
       </p:pic>
       <p:sp>
         <p:nvSpPr>
-          <p:cNvPr id="134" name="this —&gt; A property of an execution context"/>
+          <p:cNvPr id="136" name="Line"/>
+          <p:cNvSpPr/>
+          <p:nvPr/>
+        </p:nvSpPr>
+        <p:spPr>
+          <a:xfrm>
+            <a:off x="9602327" y="982329"/>
+            <a:ext cx="2" cy="333089"/>
+          </a:xfrm>
+          <a:prstGeom prst="line">
+            <a:avLst/>
+          </a:prstGeom>
+          <a:ln w="12700">
+            <a:solidFill>
+              <a:schemeClr val="accent1"/>
+            </a:solidFill>
+            <a:custDash>
+              <a:ds d="600000" sp="600000"/>
+            </a:custDash>
+            <a:miter lim="400000"/>
+            <a:tailEnd type="triangle"/>
+          </a:ln>
+        </p:spPr>
+        <p:txBody>
+          <a:bodyPr lIns="45718" tIns="45718" rIns="45718" bIns="45718"/>
+          <a:lstStyle/>
+          <a:p>
+            <a:pPr/>
+          </a:p>
+        </p:txBody>
+      </p:sp>
+      <p:pic>
+        <p:nvPicPr>
+          <p:cNvPr id="137" name="Connection Line" descr="Connection Line"/>
+          <p:cNvPicPr>
+            <a:picLocks noChangeAspect="1"/>
+          </p:cNvPicPr>
+          <p:nvPr/>
+        </p:nvPicPr>
+        <p:blipFill>
+          <a:blip r:embed="rId5">
+            <a:extLst/>
+          </a:blip>
+          <a:stretch>
+            <a:fillRect/>
+          </a:stretch>
+        </p:blipFill>
+        <p:spPr>
+          <a:xfrm>
+            <a:off x="2252297" y="2570571"/>
+            <a:ext cx="1035310" cy="877729"/>
+          </a:xfrm>
+          <a:prstGeom prst="rect">
+            <a:avLst/>
+          </a:prstGeom>
+          <a:ln w="12700">
+            <a:miter lim="400000"/>
+          </a:ln>
+        </p:spPr>
+      </p:pic>
+      <p:sp>
+        <p:nvSpPr>
+          <p:cNvPr id="138" name="this —&gt; A property of an execution context"/>
           <p:cNvSpPr txBox="1"/>
           <p:nvPr/>
         </p:nvSpPr>
         <p:spPr>
           <a:xfrm>
-            <a:off x="3148640" y="5917803"/>
-            <a:ext cx="6822428" cy="489953"/>
+            <a:off x="3148640" y="5917804"/>
+            <a:ext cx="6825217" cy="489951"/>
           </a:xfrm>
           <a:prstGeom prst="rect">
             <a:avLst/>
@@ -7396,7 +8121,7 @@
           </a:extLst>
         </p:spPr>
         <p:txBody>
-          <a:bodyPr wrap="none" lIns="45719" rIns="45719">
+          <a:bodyPr wrap="none" lIns="45718" tIns="45718" rIns="45718" bIns="45718">
             <a:spAutoFit/>
           </a:bodyPr>
           <a:lstStyle>
@@ -7451,7 +8176,7 @@
                                       <p:cBhvr>
                                         <p:cTn id="6" fill="hold"/>
                                         <p:tgtEl>
-                                          <p:spTgt spid="130"/>
+                                          <p:spTgt spid="135"/>
                                         </p:tgtEl>
                                         <p:attrNameLst>
                                           <p:attrName>style.visibility</p:attrName>
@@ -7483,11 +8208,11 @@
                             </p:stCondLst>
                             <p:childTnLst>
                               <p:par>
-                                <p:cTn id="9" presetClass="entr" nodeType="clickEffect" presetID="10" grpId="2" fill="hold">
+                                <p:cTn id="9" presetClass="entr" nodeType="clickEffect" presetID="9" grpId="2" fill="hold">
                                   <p:stCondLst>
                                     <p:cond delay="0"/>
                                   </p:stCondLst>
-                                  <p:iterate type="lt" backwards="0">
+                                  <p:iterate type="el" backwards="0">
                                     <p:tmAbs val="0"/>
                                   </p:iterate>
                                   <p:childTnLst>
@@ -7495,7 +8220,7 @@
                                       <p:cBhvr>
                                         <p:cTn id="10" fill="hold"/>
                                         <p:tgtEl>
-                                          <p:spTgt spid="128"/>
+                                          <p:spTgt spid="133"/>
                                         </p:tgtEl>
                                         <p:attrNameLst>
                                           <p:attrName>style.visibility</p:attrName>
@@ -7505,11 +8230,11 @@
                                         <p:strVal val="visible"/>
                                       </p:to>
                                     </p:set>
-                                    <p:animEffect filter="fade" transition="in">
+                                    <p:animEffect filter="dissolve" transition="in">
                                       <p:cBhvr>
                                         <p:cTn id="11" dur="2000"/>
                                         <p:tgtEl>
-                                          <p:spTgt spid="128"/>
+                                          <p:spTgt spid="133"/>
                                         </p:tgtEl>
                                       </p:cBhvr>
                                     </p:animEffect>
@@ -7544,8 +8269,8 @@
       </p:par>
     </p:tnLst>
     <p:bldLst>
-      <p:bldP build="whole" bldLvl="1" animBg="1" rev="0" advAuto="0" spid="128" grpId="2"/>
-      <p:bldP build="whole" bldLvl="1" animBg="1" rev="0" advAuto="0" spid="130" grpId="1"/>
+      <p:bldP build="whole" bldLvl="1" animBg="1" rev="0" advAuto="0" spid="133" grpId="2"/>
+      <p:bldP build="whole" bldLvl="1" animBg="1" rev="0" advAuto="0" spid="135" grpId="1"/>
     </p:bldLst>
   </p:timing>
 </p:sld>
@@ -7568,9 +8293,38 @@
           <a:chExt cx="0" cy="0"/>
         </a:xfrm>
       </p:grpSpPr>
+      <p:pic>
+        <p:nvPicPr>
+          <p:cNvPr id="140" name="Google Shape;54;p13" descr="Google Shape;54;p13"/>
+          <p:cNvPicPr>
+            <a:picLocks noChangeAspect="1"/>
+          </p:cNvPicPr>
+          <p:nvPr/>
+        </p:nvPicPr>
+        <p:blipFill>
+          <a:blip r:embed="rId2">
+            <a:extLst/>
+          </a:blip>
+          <a:stretch>
+            <a:fillRect/>
+          </a:stretch>
+        </p:blipFill>
+        <p:spPr>
+          <a:xfrm>
+            <a:off x="0" y="0"/>
+            <a:ext cx="12191997" cy="6858000"/>
+          </a:xfrm>
+          <a:prstGeom prst="rect">
+            <a:avLst/>
+          </a:prstGeom>
+          <a:ln w="12700">
+            <a:miter lim="400000"/>
+          </a:ln>
+        </p:spPr>
+      </p:pic>
       <p:sp>
         <p:nvSpPr>
-          <p:cNvPr id="138" name="Title 1"/>
+          <p:cNvPr id="141" name="Title 1"/>
           <p:cNvSpPr txBox="1"/>
           <p:nvPr>
             <p:ph type="title"/>
@@ -7598,7 +8352,7 @@
       </p:sp>
       <p:sp>
         <p:nvSpPr>
-          <p:cNvPr id="139" name="Content Placeholder 2"/>
+          <p:cNvPr id="142" name="Content Placeholder 2"/>
           <p:cNvSpPr txBox="1"/>
           <p:nvPr>
             <p:ph type="body" idx="1"/>
@@ -7661,7 +8415,7 @@
       </p:grpSpPr>
       <p:pic>
         <p:nvPicPr>
-          <p:cNvPr id="141" name="o3NQagY6IDiW5qqrHp6l9CgJy0N9GMhhKW711QZkX64Sb1yJUlnhS--Xfa3skWZRO_hpwY6CvHfzhtL9Df2xQFyiGVxm5L4H6Lyc6pfjhnAHLy9RRA3_6wSrlAdysIHPWg=s412.jpg" descr="o3NQagY6IDiW5qqrHp6l9CgJy0N9GMhhKW711QZkX64Sb1yJUlnhS--Xfa3skWZRO_hpwY6CvHfzhtL9Df2xQFyiGVxm5L4H6Lyc6pfjhnAHLy9RRA3_6wSrlAdysIHPWg=s412.jpg"/>
+          <p:cNvPr id="144" name="Google Shape;54;p13" descr="Google Shape;54;p13"/>
           <p:cNvPicPr>
             <a:picLocks noChangeAspect="1"/>
           </p:cNvPicPr>
@@ -7671,15 +8425,14 @@
           <a:blip r:embed="rId2">
             <a:extLst/>
           </a:blip>
-          <a:srcRect l="0" t="0" r="0" b="5756"/>
           <a:stretch>
             <a:fillRect/>
           </a:stretch>
         </p:blipFill>
         <p:spPr>
           <a:xfrm>
-            <a:off x="50289" y="1422107"/>
-            <a:ext cx="8028796" cy="4260819"/>
+            <a:off x="0" y="0"/>
+            <a:ext cx="12191997" cy="6858000"/>
           </a:xfrm>
           <a:prstGeom prst="rect">
             <a:avLst/>
@@ -7691,7 +8444,7 @@
       </p:pic>
       <p:pic>
         <p:nvPicPr>
-          <p:cNvPr id="142" name="maxresdefault.jpg" descr="maxresdefault.jpg"/>
+          <p:cNvPr id="145" name="o3NQagY6IDiW5qqrHp6l9CgJy0N9GMhhKW711QZkX64Sb1yJUlnhS--Xfa3skWZRO_hpwY6CvHfzhtL9Df2xQFyiGVxm5L4H6Lyc6pfjhnAHLy9RRA3_6wSrlAdysIHPWg=s412.jpg" descr="o3NQagY6IDiW5qqrHp6l9CgJy0N9GMhhKW711QZkX64Sb1yJUlnhS--Xfa3skWZRO_hpwY6CvHfzhtL9Df2xQFyiGVxm5L4H6Lyc6pfjhnAHLy9RRA3_6wSrlAdysIHPWg=s412.jpg"/>
           <p:cNvPicPr>
             <a:picLocks noChangeAspect="1"/>
           </p:cNvPicPr>
@@ -7701,15 +8454,15 @@
           <a:blip r:embed="rId3">
             <a:extLst/>
           </a:blip>
-          <a:srcRect l="35716" t="18896" r="16862" b="2168"/>
+          <a:srcRect l="0" t="0" r="0" b="5756"/>
           <a:stretch>
             <a:fillRect/>
           </a:stretch>
         </p:blipFill>
         <p:spPr>
           <a:xfrm>
-            <a:off x="8270329" y="3359189"/>
-            <a:ext cx="3561358" cy="3334544"/>
+            <a:off x="50288" y="1422106"/>
+            <a:ext cx="8028797" cy="4260821"/>
           </a:xfrm>
           <a:prstGeom prst="rect">
             <a:avLst/>
@@ -7719,16 +8472,46 @@
           </a:ln>
         </p:spPr>
       </p:pic>
+      <p:pic>
+        <p:nvPicPr>
+          <p:cNvPr id="146" name="maxresdefault.jpg" descr="maxresdefault.jpg"/>
+          <p:cNvPicPr>
+            <a:picLocks noChangeAspect="1"/>
+          </p:cNvPicPr>
+          <p:nvPr/>
+        </p:nvPicPr>
+        <p:blipFill>
+          <a:blip r:embed="rId4">
+            <a:extLst/>
+          </a:blip>
+          <a:srcRect l="35716" t="18896" r="16862" b="2167"/>
+          <a:stretch>
+            <a:fillRect/>
+          </a:stretch>
+        </p:blipFill>
+        <p:spPr>
+          <a:xfrm>
+            <a:off x="8270329" y="3359189"/>
+            <a:ext cx="3561359" cy="3334545"/>
+          </a:xfrm>
+          <a:prstGeom prst="rect">
+            <a:avLst/>
+          </a:prstGeom>
+          <a:ln w="12700">
+            <a:miter lim="400000"/>
+          </a:ln>
+        </p:spPr>
+      </p:pic>
       <p:sp>
         <p:nvSpPr>
-          <p:cNvPr id="143" name="Call and Apply"/>
+          <p:cNvPr id="147" name="Call and Apply"/>
           <p:cNvSpPr txBox="1"/>
           <p:nvPr/>
         </p:nvSpPr>
         <p:spPr>
           <a:xfrm>
-            <a:off x="531130" y="599786"/>
-            <a:ext cx="3325426" cy="653912"/>
+            <a:off x="531129" y="599787"/>
+            <a:ext cx="3325425" cy="653910"/>
           </a:xfrm>
           <a:prstGeom prst="rect">
             <a:avLst/>
@@ -7743,7 +8526,7 @@
           </a:extLst>
         </p:spPr>
         <p:txBody>
-          <a:bodyPr wrap="none" lIns="45719" rIns="45719">
+          <a:bodyPr wrap="none" lIns="45718" tIns="45718" rIns="45718" bIns="45718">
             <a:spAutoFit/>
           </a:bodyPr>
           <a:lstStyle>
@@ -7967,19 +8750,19 @@
     <a:spDef>
       <a:spPr>
         <a:solidFill>
-          <a:srgbClr val="FFFFFF"/>
+          <a:srgbClr val="F3D94E"/>
         </a:solidFill>
-        <a:ln w="12700" cap="flat">
+        <a:ln w="25400" cap="flat">
           <a:solidFill>
             <a:schemeClr val="accent1"/>
           </a:solidFill>
           <a:prstDash val="solid"/>
-          <a:miter lim="800000"/>
+          <a:round/>
         </a:ln>
         <a:effectLst/>
         <a:sp3d/>
       </a:spPr>
-      <a:bodyPr rot="0" spcFirstLastPara="1" vertOverflow="overflow" horzOverflow="overflow" vert="horz" wrap="square" lIns="45719" tIns="45719" rIns="45719" bIns="45719" numCol="1" spcCol="38100" rtlCol="0" anchor="ctr" upright="0">
+      <a:bodyPr rot="0" spcFirstLastPara="1" vertOverflow="overflow" horzOverflow="overflow" vert="horz" wrap="square" lIns="45718" tIns="45718" rIns="45718" bIns="45718" numCol="1" spcCol="38100" rtlCol="0" anchor="ctr" upright="0">
         <a:spAutoFit/>
       </a:bodyPr>
       <a:lstStyle>
@@ -8258,12 +9041,12 @@
     <a:lnDef>
       <a:spPr>
         <a:noFill/>
-        <a:ln w="12700" cap="flat">
+        <a:ln w="25400" cap="flat">
           <a:solidFill>
             <a:schemeClr val="accent1"/>
           </a:solidFill>
           <a:prstDash val="solid"/>
-          <a:miter lim="800000"/>
+          <a:round/>
         </a:ln>
         <a:effectLst/>
         <a:sp3d/>
@@ -8550,7 +9333,7 @@
         <a:effectLst/>
         <a:sp3d/>
       </a:spPr>
-      <a:bodyPr rot="0" spcFirstLastPara="1" vertOverflow="overflow" horzOverflow="overflow" vert="horz" wrap="square" lIns="45719" tIns="45719" rIns="45719" bIns="45719" numCol="1" spcCol="38100" rtlCol="0" anchor="t" upright="0">
+      <a:bodyPr rot="0" spcFirstLastPara="1" vertOverflow="overflow" horzOverflow="overflow" vert="horz" wrap="square" lIns="45718" tIns="45718" rIns="45718" bIns="45718" numCol="1" spcCol="38100" rtlCol="0" anchor="t" upright="0">
         <a:spAutoFit/>
       </a:bodyPr>
       <a:lstStyle>
@@ -9021,19 +9804,19 @@
     <a:spDef>
       <a:spPr>
         <a:solidFill>
-          <a:srgbClr val="FFFFFF"/>
+          <a:srgbClr val="F3D94E"/>
         </a:solidFill>
-        <a:ln w="12700" cap="flat">
+        <a:ln w="25400" cap="flat">
           <a:solidFill>
             <a:schemeClr val="accent1"/>
           </a:solidFill>
           <a:prstDash val="solid"/>
-          <a:miter lim="800000"/>
+          <a:round/>
         </a:ln>
         <a:effectLst/>
         <a:sp3d/>
       </a:spPr>
-      <a:bodyPr rot="0" spcFirstLastPara="1" vertOverflow="overflow" horzOverflow="overflow" vert="horz" wrap="square" lIns="45719" tIns="45719" rIns="45719" bIns="45719" numCol="1" spcCol="38100" rtlCol="0" anchor="ctr" upright="0">
+      <a:bodyPr rot="0" spcFirstLastPara="1" vertOverflow="overflow" horzOverflow="overflow" vert="horz" wrap="square" lIns="45718" tIns="45718" rIns="45718" bIns="45718" numCol="1" spcCol="38100" rtlCol="0" anchor="ctr" upright="0">
         <a:spAutoFit/>
       </a:bodyPr>
       <a:lstStyle>
@@ -9312,12 +10095,12 @@
     <a:lnDef>
       <a:spPr>
         <a:noFill/>
-        <a:ln w="12700" cap="flat">
+        <a:ln w="25400" cap="flat">
           <a:solidFill>
             <a:schemeClr val="accent1"/>
           </a:solidFill>
           <a:prstDash val="solid"/>
-          <a:miter lim="800000"/>
+          <a:round/>
         </a:ln>
         <a:effectLst/>
         <a:sp3d/>
@@ -9604,7 +10387,7 @@
         <a:effectLst/>
         <a:sp3d/>
       </a:spPr>
-      <a:bodyPr rot="0" spcFirstLastPara="1" vertOverflow="overflow" horzOverflow="overflow" vert="horz" wrap="square" lIns="45719" tIns="45719" rIns="45719" bIns="45719" numCol="1" spcCol="38100" rtlCol="0" anchor="t" upright="0">
+      <a:bodyPr rot="0" spcFirstLastPara="1" vertOverflow="overflow" horzOverflow="overflow" vert="horz" wrap="square" lIns="45718" tIns="45718" rIns="45718" bIns="45718" numCol="1" spcCol="38100" rtlCol="0" anchor="t" upright="0">
         <a:spAutoFit/>
       </a:bodyPr>
       <a:lstStyle>
